--- a/Group3_Project_Phase1.pptx
+++ b/Group3_Project_Phase1.pptx
@@ -61,7 +61,7 @@
       </p:grpSpPr>
       <p:sp>
         <p:nvSpPr>
-          <p:cNvPr id="26" name="PlaceHolder 1"/>
+          <p:cNvPr id="23" name="PlaceHolder 1"/>
           <p:cNvSpPr>
             <a:spLocks noGrp="1"/>
           </p:cNvSpPr>
@@ -81,23 +81,24 @@
         <p:txBody>
           <a:bodyPr lIns="0" rIns="0" tIns="0" bIns="0" anchor="ctr"/>
           <a:p>
-            <a:endParaRPr b="0" lang="en-US" sz="1800" spc="-1" strike="noStrike">
-              <a:solidFill>
-                <a:srgbClr val="000000"/>
-              </a:solidFill>
-              <a:uFill>
-                <a:solidFill>
-                  <a:srgbClr val="ffffff"/>
-                </a:solidFill>
-              </a:uFill>
-              <a:latin typeface="Calibri"/>
-            </a:endParaRPr>
-          </a:p>
-        </p:txBody>
-      </p:sp>
-      <p:sp>
-        <p:nvSpPr>
-          <p:cNvPr id="27" name="PlaceHolder 2"/>
+            <a:pPr algn="ctr"/>
+            <a:endParaRPr b="0" lang="en-US" sz="4400" spc="-1" strike="noStrike">
+              <a:solidFill>
+                <a:srgbClr val="000000"/>
+              </a:solidFill>
+              <a:uFill>
+                <a:solidFill>
+                  <a:srgbClr val="ffffff"/>
+                </a:solidFill>
+              </a:uFill>
+              <a:latin typeface="Arial"/>
+            </a:endParaRPr>
+          </a:p>
+        </p:txBody>
+      </p:sp>
+      <p:sp>
+        <p:nvSpPr>
+          <p:cNvPr id="24" name="PlaceHolder 2"/>
           <p:cNvSpPr>
             <a:spLocks noGrp="1"/>
           </p:cNvSpPr>
@@ -117,23 +118,23 @@
         <p:txBody>
           <a:bodyPr lIns="0" rIns="0" tIns="0" bIns="0"/>
           <a:p>
-            <a:endParaRPr b="0" lang="en-US" sz="2800" spc="-1" strike="noStrike">
-              <a:solidFill>
-                <a:srgbClr val="000000"/>
-              </a:solidFill>
-              <a:uFill>
-                <a:solidFill>
-                  <a:srgbClr val="ffffff"/>
-                </a:solidFill>
-              </a:uFill>
-              <a:latin typeface="Calibri"/>
-            </a:endParaRPr>
-          </a:p>
-        </p:txBody>
-      </p:sp>
-      <p:sp>
-        <p:nvSpPr>
-          <p:cNvPr id="28" name="PlaceHolder 3"/>
+            <a:endParaRPr b="0" lang="en-US" sz="3200" spc="-1" strike="noStrike">
+              <a:solidFill>
+                <a:srgbClr val="000000"/>
+              </a:solidFill>
+              <a:uFill>
+                <a:solidFill>
+                  <a:srgbClr val="ffffff"/>
+                </a:solidFill>
+              </a:uFill>
+              <a:latin typeface="Arial"/>
+            </a:endParaRPr>
+          </a:p>
+        </p:txBody>
+      </p:sp>
+      <p:sp>
+        <p:nvSpPr>
+          <p:cNvPr id="25" name="PlaceHolder 3"/>
           <p:cNvSpPr>
             <a:spLocks noGrp="1"/>
           </p:cNvSpPr>
@@ -153,16 +154,16 @@
         <p:txBody>
           <a:bodyPr lIns="0" rIns="0" tIns="0" bIns="0"/>
           <a:p>
-            <a:endParaRPr b="0" lang="en-US" sz="2800" spc="-1" strike="noStrike">
-              <a:solidFill>
-                <a:srgbClr val="000000"/>
-              </a:solidFill>
-              <a:uFill>
-                <a:solidFill>
-                  <a:srgbClr val="ffffff"/>
-                </a:solidFill>
-              </a:uFill>
-              <a:latin typeface="Calibri"/>
+            <a:endParaRPr b="0" lang="en-US" sz="3200" spc="-1" strike="noStrike">
+              <a:solidFill>
+                <a:srgbClr val="000000"/>
+              </a:solidFill>
+              <a:uFill>
+                <a:solidFill>
+                  <a:srgbClr val="ffffff"/>
+                </a:solidFill>
+              </a:uFill>
+              <a:latin typeface="Arial"/>
             </a:endParaRPr>
           </a:p>
         </p:txBody>
@@ -191,7 +192,7 @@
       </p:grpSpPr>
       <p:sp>
         <p:nvSpPr>
-          <p:cNvPr id="29" name="PlaceHolder 1"/>
+          <p:cNvPr id="26" name="PlaceHolder 1"/>
           <p:cNvSpPr>
             <a:spLocks noGrp="1"/>
           </p:cNvSpPr>
@@ -211,23 +212,24 @@
         <p:txBody>
           <a:bodyPr lIns="0" rIns="0" tIns="0" bIns="0" anchor="ctr"/>
           <a:p>
-            <a:endParaRPr b="0" lang="en-US" sz="1800" spc="-1" strike="noStrike">
-              <a:solidFill>
-                <a:srgbClr val="000000"/>
-              </a:solidFill>
-              <a:uFill>
-                <a:solidFill>
-                  <a:srgbClr val="ffffff"/>
-                </a:solidFill>
-              </a:uFill>
-              <a:latin typeface="Calibri"/>
-            </a:endParaRPr>
-          </a:p>
-        </p:txBody>
-      </p:sp>
-      <p:sp>
-        <p:nvSpPr>
-          <p:cNvPr id="30" name="PlaceHolder 2"/>
+            <a:pPr algn="ctr"/>
+            <a:endParaRPr b="0" lang="en-US" sz="4400" spc="-1" strike="noStrike">
+              <a:solidFill>
+                <a:srgbClr val="000000"/>
+              </a:solidFill>
+              <a:uFill>
+                <a:solidFill>
+                  <a:srgbClr val="ffffff"/>
+                </a:solidFill>
+              </a:uFill>
+              <a:latin typeface="Arial"/>
+            </a:endParaRPr>
+          </a:p>
+        </p:txBody>
+      </p:sp>
+      <p:sp>
+        <p:nvSpPr>
+          <p:cNvPr id="27" name="PlaceHolder 2"/>
           <p:cNvSpPr>
             <a:spLocks noGrp="1"/>
           </p:cNvSpPr>
@@ -247,23 +249,23 @@
         <p:txBody>
           <a:bodyPr lIns="0" rIns="0" tIns="0" bIns="0"/>
           <a:p>
-            <a:endParaRPr b="0" lang="en-US" sz="2800" spc="-1" strike="noStrike">
-              <a:solidFill>
-                <a:srgbClr val="000000"/>
-              </a:solidFill>
-              <a:uFill>
-                <a:solidFill>
-                  <a:srgbClr val="ffffff"/>
-                </a:solidFill>
-              </a:uFill>
-              <a:latin typeface="Calibri"/>
-            </a:endParaRPr>
-          </a:p>
-        </p:txBody>
-      </p:sp>
-      <p:sp>
-        <p:nvSpPr>
-          <p:cNvPr id="31" name="PlaceHolder 3"/>
+            <a:endParaRPr b="0" lang="en-US" sz="3200" spc="-1" strike="noStrike">
+              <a:solidFill>
+                <a:srgbClr val="000000"/>
+              </a:solidFill>
+              <a:uFill>
+                <a:solidFill>
+                  <a:srgbClr val="ffffff"/>
+                </a:solidFill>
+              </a:uFill>
+              <a:latin typeface="Arial"/>
+            </a:endParaRPr>
+          </a:p>
+        </p:txBody>
+      </p:sp>
+      <p:sp>
+        <p:nvSpPr>
+          <p:cNvPr id="28" name="PlaceHolder 3"/>
           <p:cNvSpPr>
             <a:spLocks noGrp="1"/>
           </p:cNvSpPr>
@@ -283,23 +285,23 @@
         <p:txBody>
           <a:bodyPr lIns="0" rIns="0" tIns="0" bIns="0"/>
           <a:p>
-            <a:endParaRPr b="0" lang="en-US" sz="2800" spc="-1" strike="noStrike">
-              <a:solidFill>
-                <a:srgbClr val="000000"/>
-              </a:solidFill>
-              <a:uFill>
-                <a:solidFill>
-                  <a:srgbClr val="ffffff"/>
-                </a:solidFill>
-              </a:uFill>
-              <a:latin typeface="Calibri"/>
-            </a:endParaRPr>
-          </a:p>
-        </p:txBody>
-      </p:sp>
-      <p:sp>
-        <p:nvSpPr>
-          <p:cNvPr id="32" name="PlaceHolder 4"/>
+            <a:endParaRPr b="0" lang="en-US" sz="3200" spc="-1" strike="noStrike">
+              <a:solidFill>
+                <a:srgbClr val="000000"/>
+              </a:solidFill>
+              <a:uFill>
+                <a:solidFill>
+                  <a:srgbClr val="ffffff"/>
+                </a:solidFill>
+              </a:uFill>
+              <a:latin typeface="Arial"/>
+            </a:endParaRPr>
+          </a:p>
+        </p:txBody>
+      </p:sp>
+      <p:sp>
+        <p:nvSpPr>
+          <p:cNvPr id="29" name="PlaceHolder 4"/>
           <p:cNvSpPr>
             <a:spLocks noGrp="1"/>
           </p:cNvSpPr>
@@ -319,23 +321,23 @@
         <p:txBody>
           <a:bodyPr lIns="0" rIns="0" tIns="0" bIns="0"/>
           <a:p>
-            <a:endParaRPr b="0" lang="en-US" sz="2800" spc="-1" strike="noStrike">
-              <a:solidFill>
-                <a:srgbClr val="000000"/>
-              </a:solidFill>
-              <a:uFill>
-                <a:solidFill>
-                  <a:srgbClr val="ffffff"/>
-                </a:solidFill>
-              </a:uFill>
-              <a:latin typeface="Calibri"/>
-            </a:endParaRPr>
-          </a:p>
-        </p:txBody>
-      </p:sp>
-      <p:sp>
-        <p:nvSpPr>
-          <p:cNvPr id="33" name="PlaceHolder 5"/>
+            <a:endParaRPr b="0" lang="en-US" sz="3200" spc="-1" strike="noStrike">
+              <a:solidFill>
+                <a:srgbClr val="000000"/>
+              </a:solidFill>
+              <a:uFill>
+                <a:solidFill>
+                  <a:srgbClr val="ffffff"/>
+                </a:solidFill>
+              </a:uFill>
+              <a:latin typeface="Arial"/>
+            </a:endParaRPr>
+          </a:p>
+        </p:txBody>
+      </p:sp>
+      <p:sp>
+        <p:nvSpPr>
+          <p:cNvPr id="30" name="PlaceHolder 5"/>
           <p:cNvSpPr>
             <a:spLocks noGrp="1"/>
           </p:cNvSpPr>
@@ -355,16 +357,16 @@
         <p:txBody>
           <a:bodyPr lIns="0" rIns="0" tIns="0" bIns="0"/>
           <a:p>
-            <a:endParaRPr b="0" lang="en-US" sz="2800" spc="-1" strike="noStrike">
-              <a:solidFill>
-                <a:srgbClr val="000000"/>
-              </a:solidFill>
-              <a:uFill>
-                <a:solidFill>
-                  <a:srgbClr val="ffffff"/>
-                </a:solidFill>
-              </a:uFill>
-              <a:latin typeface="Calibri"/>
+            <a:endParaRPr b="0" lang="en-US" sz="3200" spc="-1" strike="noStrike">
+              <a:solidFill>
+                <a:srgbClr val="000000"/>
+              </a:solidFill>
+              <a:uFill>
+                <a:solidFill>
+                  <a:srgbClr val="ffffff"/>
+                </a:solidFill>
+              </a:uFill>
+              <a:latin typeface="Arial"/>
             </a:endParaRPr>
           </a:p>
         </p:txBody>
@@ -393,7 +395,7 @@
       </p:grpSpPr>
       <p:sp>
         <p:nvSpPr>
-          <p:cNvPr id="34" name="PlaceHolder 1"/>
+          <p:cNvPr id="31" name="PlaceHolder 1"/>
           <p:cNvSpPr>
             <a:spLocks noGrp="1"/>
           </p:cNvSpPr>
@@ -413,23 +415,24 @@
         <p:txBody>
           <a:bodyPr lIns="0" rIns="0" tIns="0" bIns="0" anchor="ctr"/>
           <a:p>
-            <a:endParaRPr b="0" lang="en-US" sz="1800" spc="-1" strike="noStrike">
-              <a:solidFill>
-                <a:srgbClr val="000000"/>
-              </a:solidFill>
-              <a:uFill>
-                <a:solidFill>
-                  <a:srgbClr val="ffffff"/>
-                </a:solidFill>
-              </a:uFill>
-              <a:latin typeface="Calibri"/>
-            </a:endParaRPr>
-          </a:p>
-        </p:txBody>
-      </p:sp>
-      <p:sp>
-        <p:nvSpPr>
-          <p:cNvPr id="35" name="PlaceHolder 2"/>
+            <a:pPr algn="ctr"/>
+            <a:endParaRPr b="0" lang="en-US" sz="4400" spc="-1" strike="noStrike">
+              <a:solidFill>
+                <a:srgbClr val="000000"/>
+              </a:solidFill>
+              <a:uFill>
+                <a:solidFill>
+                  <a:srgbClr val="ffffff"/>
+                </a:solidFill>
+              </a:uFill>
+              <a:latin typeface="Arial"/>
+            </a:endParaRPr>
+          </a:p>
+        </p:txBody>
+      </p:sp>
+      <p:sp>
+        <p:nvSpPr>
+          <p:cNvPr id="32" name="PlaceHolder 2"/>
           <p:cNvSpPr>
             <a:spLocks noGrp="1"/>
           </p:cNvSpPr>
@@ -449,23 +452,23 @@
         <p:txBody>
           <a:bodyPr lIns="0" rIns="0" tIns="0" bIns="0"/>
           <a:p>
-            <a:endParaRPr b="0" lang="en-US" sz="2800" spc="-1" strike="noStrike">
-              <a:solidFill>
-                <a:srgbClr val="000000"/>
-              </a:solidFill>
-              <a:uFill>
-                <a:solidFill>
-                  <a:srgbClr val="ffffff"/>
-                </a:solidFill>
-              </a:uFill>
-              <a:latin typeface="Calibri"/>
-            </a:endParaRPr>
-          </a:p>
-        </p:txBody>
-      </p:sp>
-      <p:sp>
-        <p:nvSpPr>
-          <p:cNvPr id="36" name="PlaceHolder 3"/>
+            <a:endParaRPr b="0" lang="en-US" sz="3200" spc="-1" strike="noStrike">
+              <a:solidFill>
+                <a:srgbClr val="000000"/>
+              </a:solidFill>
+              <a:uFill>
+                <a:solidFill>
+                  <a:srgbClr val="ffffff"/>
+                </a:solidFill>
+              </a:uFill>
+              <a:latin typeface="Arial"/>
+            </a:endParaRPr>
+          </a:p>
+        </p:txBody>
+      </p:sp>
+      <p:sp>
+        <p:nvSpPr>
+          <p:cNvPr id="33" name="PlaceHolder 3"/>
           <p:cNvSpPr>
             <a:spLocks noGrp="1"/>
           </p:cNvSpPr>
@@ -485,23 +488,23 @@
         <p:txBody>
           <a:bodyPr lIns="0" rIns="0" tIns="0" bIns="0"/>
           <a:p>
-            <a:endParaRPr b="0" lang="en-US" sz="2800" spc="-1" strike="noStrike">
-              <a:solidFill>
-                <a:srgbClr val="000000"/>
-              </a:solidFill>
-              <a:uFill>
-                <a:solidFill>
-                  <a:srgbClr val="ffffff"/>
-                </a:solidFill>
-              </a:uFill>
-              <a:latin typeface="Calibri"/>
+            <a:endParaRPr b="0" lang="en-US" sz="3200" spc="-1" strike="noStrike">
+              <a:solidFill>
+                <a:srgbClr val="000000"/>
+              </a:solidFill>
+              <a:uFill>
+                <a:solidFill>
+                  <a:srgbClr val="ffffff"/>
+                </a:solidFill>
+              </a:uFill>
+              <a:latin typeface="Arial"/>
             </a:endParaRPr>
           </a:p>
         </p:txBody>
       </p:sp>
       <p:pic>
         <p:nvPicPr>
-          <p:cNvPr id="37" name="" descr=""/>
+          <p:cNvPr id="34" name="" descr=""/>
           <p:cNvPicPr/>
           <p:nvPr/>
         </p:nvPicPr>
@@ -524,7 +527,7 @@
       </p:pic>
       <p:pic>
         <p:nvPicPr>
-          <p:cNvPr id="38" name="" descr=""/>
+          <p:cNvPr id="35" name="" descr=""/>
           <p:cNvPicPr/>
           <p:nvPr/>
         </p:nvPicPr>
@@ -591,7 +594,7 @@
       </p:grpSpPr>
       <p:sp>
         <p:nvSpPr>
-          <p:cNvPr id="44" name="PlaceHolder 1"/>
+          <p:cNvPr id="38" name="PlaceHolder 1"/>
           <p:cNvSpPr>
             <a:spLocks noGrp="1"/>
           </p:cNvSpPr>
@@ -611,23 +614,24 @@
         <p:txBody>
           <a:bodyPr lIns="0" rIns="0" tIns="0" bIns="0" anchor="ctr"/>
           <a:p>
-            <a:endParaRPr b="0" lang="en-US" sz="1800" spc="-1" strike="noStrike">
-              <a:solidFill>
-                <a:srgbClr val="000000"/>
-              </a:solidFill>
-              <a:uFill>
-                <a:solidFill>
-                  <a:srgbClr val="ffffff"/>
-                </a:solidFill>
-              </a:uFill>
-              <a:latin typeface="Calibri"/>
-            </a:endParaRPr>
-          </a:p>
-        </p:txBody>
-      </p:sp>
-      <p:sp>
-        <p:nvSpPr>
-          <p:cNvPr id="45" name="PlaceHolder 2"/>
+            <a:pPr algn="ctr"/>
+            <a:endParaRPr b="0" lang="en-US" sz="4400" spc="-1" strike="noStrike">
+              <a:solidFill>
+                <a:srgbClr val="000000"/>
+              </a:solidFill>
+              <a:uFill>
+                <a:solidFill>
+                  <a:srgbClr val="ffffff"/>
+                </a:solidFill>
+              </a:uFill>
+              <a:latin typeface="Arial"/>
+            </a:endParaRPr>
+          </a:p>
+        </p:txBody>
+      </p:sp>
+      <p:sp>
+        <p:nvSpPr>
+          <p:cNvPr id="39" name="PlaceHolder 2"/>
           <p:cNvSpPr>
             <a:spLocks noGrp="1"/>
           </p:cNvSpPr>
@@ -686,7 +690,7 @@
       </p:grpSpPr>
       <p:sp>
         <p:nvSpPr>
-          <p:cNvPr id="46" name="PlaceHolder 1"/>
+          <p:cNvPr id="40" name="PlaceHolder 1"/>
           <p:cNvSpPr>
             <a:spLocks noGrp="1"/>
           </p:cNvSpPr>
@@ -706,23 +710,24 @@
         <p:txBody>
           <a:bodyPr lIns="0" rIns="0" tIns="0" bIns="0" anchor="ctr"/>
           <a:p>
-            <a:endParaRPr b="0" lang="en-US" sz="1800" spc="-1" strike="noStrike">
-              <a:solidFill>
-                <a:srgbClr val="000000"/>
-              </a:solidFill>
-              <a:uFill>
-                <a:solidFill>
-                  <a:srgbClr val="ffffff"/>
-                </a:solidFill>
-              </a:uFill>
-              <a:latin typeface="Calibri"/>
-            </a:endParaRPr>
-          </a:p>
-        </p:txBody>
-      </p:sp>
-      <p:sp>
-        <p:nvSpPr>
-          <p:cNvPr id="47" name="PlaceHolder 2"/>
+            <a:pPr algn="ctr"/>
+            <a:endParaRPr b="0" lang="en-US" sz="4400" spc="-1" strike="noStrike">
+              <a:solidFill>
+                <a:srgbClr val="000000"/>
+              </a:solidFill>
+              <a:uFill>
+                <a:solidFill>
+                  <a:srgbClr val="ffffff"/>
+                </a:solidFill>
+              </a:uFill>
+              <a:latin typeface="Arial"/>
+            </a:endParaRPr>
+          </a:p>
+        </p:txBody>
+      </p:sp>
+      <p:sp>
+        <p:nvSpPr>
+          <p:cNvPr id="41" name="PlaceHolder 2"/>
           <p:cNvSpPr>
             <a:spLocks noGrp="1"/>
           </p:cNvSpPr>
@@ -742,16 +747,16 @@
         <p:txBody>
           <a:bodyPr lIns="0" rIns="0" tIns="0" bIns="0"/>
           <a:p>
-            <a:endParaRPr b="0" lang="en-US" sz="2800" spc="-1" strike="noStrike">
-              <a:solidFill>
-                <a:srgbClr val="000000"/>
-              </a:solidFill>
-              <a:uFill>
-                <a:solidFill>
-                  <a:srgbClr val="ffffff"/>
-                </a:solidFill>
-              </a:uFill>
-              <a:latin typeface="Calibri"/>
+            <a:endParaRPr b="0" lang="en-US" sz="3200" spc="-1" strike="noStrike">
+              <a:solidFill>
+                <a:srgbClr val="000000"/>
+              </a:solidFill>
+              <a:uFill>
+                <a:solidFill>
+                  <a:srgbClr val="ffffff"/>
+                </a:solidFill>
+              </a:uFill>
+              <a:latin typeface="Arial"/>
             </a:endParaRPr>
           </a:p>
         </p:txBody>
@@ -780,7 +785,7 @@
       </p:grpSpPr>
       <p:sp>
         <p:nvSpPr>
-          <p:cNvPr id="48" name="PlaceHolder 1"/>
+          <p:cNvPr id="42" name="PlaceHolder 1"/>
           <p:cNvSpPr>
             <a:spLocks noGrp="1"/>
           </p:cNvSpPr>
@@ -800,23 +805,24 @@
         <p:txBody>
           <a:bodyPr lIns="0" rIns="0" tIns="0" bIns="0" anchor="ctr"/>
           <a:p>
-            <a:endParaRPr b="0" lang="en-US" sz="1800" spc="-1" strike="noStrike">
-              <a:solidFill>
-                <a:srgbClr val="000000"/>
-              </a:solidFill>
-              <a:uFill>
-                <a:solidFill>
-                  <a:srgbClr val="ffffff"/>
-                </a:solidFill>
-              </a:uFill>
-              <a:latin typeface="Calibri"/>
-            </a:endParaRPr>
-          </a:p>
-        </p:txBody>
-      </p:sp>
-      <p:sp>
-        <p:nvSpPr>
-          <p:cNvPr id="49" name="PlaceHolder 2"/>
+            <a:pPr algn="ctr"/>
+            <a:endParaRPr b="0" lang="en-US" sz="4400" spc="-1" strike="noStrike">
+              <a:solidFill>
+                <a:srgbClr val="000000"/>
+              </a:solidFill>
+              <a:uFill>
+                <a:solidFill>
+                  <a:srgbClr val="ffffff"/>
+                </a:solidFill>
+              </a:uFill>
+              <a:latin typeface="Arial"/>
+            </a:endParaRPr>
+          </a:p>
+        </p:txBody>
+      </p:sp>
+      <p:sp>
+        <p:nvSpPr>
+          <p:cNvPr id="43" name="PlaceHolder 2"/>
           <p:cNvSpPr>
             <a:spLocks noGrp="1"/>
           </p:cNvSpPr>
@@ -836,23 +842,23 @@
         <p:txBody>
           <a:bodyPr lIns="0" rIns="0" tIns="0" bIns="0"/>
           <a:p>
-            <a:endParaRPr b="0" lang="en-US" sz="2800" spc="-1" strike="noStrike">
-              <a:solidFill>
-                <a:srgbClr val="000000"/>
-              </a:solidFill>
-              <a:uFill>
-                <a:solidFill>
-                  <a:srgbClr val="ffffff"/>
-                </a:solidFill>
-              </a:uFill>
-              <a:latin typeface="Calibri"/>
-            </a:endParaRPr>
-          </a:p>
-        </p:txBody>
-      </p:sp>
-      <p:sp>
-        <p:nvSpPr>
-          <p:cNvPr id="50" name="PlaceHolder 3"/>
+            <a:endParaRPr b="0" lang="en-US" sz="3200" spc="-1" strike="noStrike">
+              <a:solidFill>
+                <a:srgbClr val="000000"/>
+              </a:solidFill>
+              <a:uFill>
+                <a:solidFill>
+                  <a:srgbClr val="ffffff"/>
+                </a:solidFill>
+              </a:uFill>
+              <a:latin typeface="Arial"/>
+            </a:endParaRPr>
+          </a:p>
+        </p:txBody>
+      </p:sp>
+      <p:sp>
+        <p:nvSpPr>
+          <p:cNvPr id="44" name="PlaceHolder 3"/>
           <p:cNvSpPr>
             <a:spLocks noGrp="1"/>
           </p:cNvSpPr>
@@ -872,16 +878,16 @@
         <p:txBody>
           <a:bodyPr lIns="0" rIns="0" tIns="0" bIns="0"/>
           <a:p>
-            <a:endParaRPr b="0" lang="en-US" sz="2800" spc="-1" strike="noStrike">
-              <a:solidFill>
-                <a:srgbClr val="000000"/>
-              </a:solidFill>
-              <a:uFill>
-                <a:solidFill>
-                  <a:srgbClr val="ffffff"/>
-                </a:solidFill>
-              </a:uFill>
-              <a:latin typeface="Calibri"/>
+            <a:endParaRPr b="0" lang="en-US" sz="3200" spc="-1" strike="noStrike">
+              <a:solidFill>
+                <a:srgbClr val="000000"/>
+              </a:solidFill>
+              <a:uFill>
+                <a:solidFill>
+                  <a:srgbClr val="ffffff"/>
+                </a:solidFill>
+              </a:uFill>
+              <a:latin typeface="Arial"/>
             </a:endParaRPr>
           </a:p>
         </p:txBody>
@@ -910,7 +916,7 @@
       </p:grpSpPr>
       <p:sp>
         <p:nvSpPr>
-          <p:cNvPr id="51" name="PlaceHolder 1"/>
+          <p:cNvPr id="45" name="PlaceHolder 1"/>
           <p:cNvSpPr>
             <a:spLocks noGrp="1"/>
           </p:cNvSpPr>
@@ -930,16 +936,17 @@
         <p:txBody>
           <a:bodyPr lIns="0" rIns="0" tIns="0" bIns="0" anchor="ctr"/>
           <a:p>
-            <a:endParaRPr b="0" lang="en-US" sz="1800" spc="-1" strike="noStrike">
-              <a:solidFill>
-                <a:srgbClr val="000000"/>
-              </a:solidFill>
-              <a:uFill>
-                <a:solidFill>
-                  <a:srgbClr val="ffffff"/>
-                </a:solidFill>
-              </a:uFill>
-              <a:latin typeface="Calibri"/>
+            <a:pPr algn="ctr"/>
+            <a:endParaRPr b="0" lang="en-US" sz="4400" spc="-1" strike="noStrike">
+              <a:solidFill>
+                <a:srgbClr val="000000"/>
+              </a:solidFill>
+              <a:uFill>
+                <a:solidFill>
+                  <a:srgbClr val="ffffff"/>
+                </a:solidFill>
+              </a:uFill>
+              <a:latin typeface="Arial"/>
             </a:endParaRPr>
           </a:p>
         </p:txBody>
@@ -968,7 +975,7 @@
       </p:grpSpPr>
       <p:sp>
         <p:nvSpPr>
-          <p:cNvPr id="52" name="PlaceHolder 1"/>
+          <p:cNvPr id="46" name="PlaceHolder 1"/>
           <p:cNvSpPr>
             <a:spLocks noGrp="1"/>
           </p:cNvSpPr>
@@ -1027,7 +1034,7 @@
       </p:grpSpPr>
       <p:sp>
         <p:nvSpPr>
-          <p:cNvPr id="53" name="PlaceHolder 1"/>
+          <p:cNvPr id="47" name="PlaceHolder 1"/>
           <p:cNvSpPr>
             <a:spLocks noGrp="1"/>
           </p:cNvSpPr>
@@ -1047,23 +1054,24 @@
         <p:txBody>
           <a:bodyPr lIns="0" rIns="0" tIns="0" bIns="0" anchor="ctr"/>
           <a:p>
-            <a:endParaRPr b="0" lang="en-US" sz="1800" spc="-1" strike="noStrike">
-              <a:solidFill>
-                <a:srgbClr val="000000"/>
-              </a:solidFill>
-              <a:uFill>
-                <a:solidFill>
-                  <a:srgbClr val="ffffff"/>
-                </a:solidFill>
-              </a:uFill>
-              <a:latin typeface="Calibri"/>
-            </a:endParaRPr>
-          </a:p>
-        </p:txBody>
-      </p:sp>
-      <p:sp>
-        <p:nvSpPr>
-          <p:cNvPr id="54" name="PlaceHolder 2"/>
+            <a:pPr algn="ctr"/>
+            <a:endParaRPr b="0" lang="en-US" sz="4400" spc="-1" strike="noStrike">
+              <a:solidFill>
+                <a:srgbClr val="000000"/>
+              </a:solidFill>
+              <a:uFill>
+                <a:solidFill>
+                  <a:srgbClr val="ffffff"/>
+                </a:solidFill>
+              </a:uFill>
+              <a:latin typeface="Arial"/>
+            </a:endParaRPr>
+          </a:p>
+        </p:txBody>
+      </p:sp>
+      <p:sp>
+        <p:nvSpPr>
+          <p:cNvPr id="48" name="PlaceHolder 2"/>
           <p:cNvSpPr>
             <a:spLocks noGrp="1"/>
           </p:cNvSpPr>
@@ -1083,23 +1091,23 @@
         <p:txBody>
           <a:bodyPr lIns="0" rIns="0" tIns="0" bIns="0"/>
           <a:p>
-            <a:endParaRPr b="0" lang="en-US" sz="2800" spc="-1" strike="noStrike">
-              <a:solidFill>
-                <a:srgbClr val="000000"/>
-              </a:solidFill>
-              <a:uFill>
-                <a:solidFill>
-                  <a:srgbClr val="ffffff"/>
-                </a:solidFill>
-              </a:uFill>
-              <a:latin typeface="Calibri"/>
-            </a:endParaRPr>
-          </a:p>
-        </p:txBody>
-      </p:sp>
-      <p:sp>
-        <p:nvSpPr>
-          <p:cNvPr id="55" name="PlaceHolder 3"/>
+            <a:endParaRPr b="0" lang="en-US" sz="3200" spc="-1" strike="noStrike">
+              <a:solidFill>
+                <a:srgbClr val="000000"/>
+              </a:solidFill>
+              <a:uFill>
+                <a:solidFill>
+                  <a:srgbClr val="ffffff"/>
+                </a:solidFill>
+              </a:uFill>
+              <a:latin typeface="Arial"/>
+            </a:endParaRPr>
+          </a:p>
+        </p:txBody>
+      </p:sp>
+      <p:sp>
+        <p:nvSpPr>
+          <p:cNvPr id="49" name="PlaceHolder 3"/>
           <p:cNvSpPr>
             <a:spLocks noGrp="1"/>
           </p:cNvSpPr>
@@ -1119,23 +1127,23 @@
         <p:txBody>
           <a:bodyPr lIns="0" rIns="0" tIns="0" bIns="0"/>
           <a:p>
-            <a:endParaRPr b="0" lang="en-US" sz="2800" spc="-1" strike="noStrike">
-              <a:solidFill>
-                <a:srgbClr val="000000"/>
-              </a:solidFill>
-              <a:uFill>
-                <a:solidFill>
-                  <a:srgbClr val="ffffff"/>
-                </a:solidFill>
-              </a:uFill>
-              <a:latin typeface="Calibri"/>
-            </a:endParaRPr>
-          </a:p>
-        </p:txBody>
-      </p:sp>
-      <p:sp>
-        <p:nvSpPr>
-          <p:cNvPr id="56" name="PlaceHolder 4"/>
+            <a:endParaRPr b="0" lang="en-US" sz="3200" spc="-1" strike="noStrike">
+              <a:solidFill>
+                <a:srgbClr val="000000"/>
+              </a:solidFill>
+              <a:uFill>
+                <a:solidFill>
+                  <a:srgbClr val="ffffff"/>
+                </a:solidFill>
+              </a:uFill>
+              <a:latin typeface="Arial"/>
+            </a:endParaRPr>
+          </a:p>
+        </p:txBody>
+      </p:sp>
+      <p:sp>
+        <p:nvSpPr>
+          <p:cNvPr id="50" name="PlaceHolder 4"/>
           <p:cNvSpPr>
             <a:spLocks noGrp="1"/>
           </p:cNvSpPr>
@@ -1155,16 +1163,16 @@
         <p:txBody>
           <a:bodyPr lIns="0" rIns="0" tIns="0" bIns="0"/>
           <a:p>
-            <a:endParaRPr b="0" lang="en-US" sz="2800" spc="-1" strike="noStrike">
-              <a:solidFill>
-                <a:srgbClr val="000000"/>
-              </a:solidFill>
-              <a:uFill>
-                <a:solidFill>
-                  <a:srgbClr val="ffffff"/>
-                </a:solidFill>
-              </a:uFill>
-              <a:latin typeface="Calibri"/>
+            <a:endParaRPr b="0" lang="en-US" sz="3200" spc="-1" strike="noStrike">
+              <a:solidFill>
+                <a:srgbClr val="000000"/>
+              </a:solidFill>
+              <a:uFill>
+                <a:solidFill>
+                  <a:srgbClr val="ffffff"/>
+                </a:solidFill>
+              </a:uFill>
+              <a:latin typeface="Arial"/>
             </a:endParaRPr>
           </a:p>
         </p:txBody>
@@ -1193,7 +1201,7 @@
       </p:grpSpPr>
       <p:sp>
         <p:nvSpPr>
-          <p:cNvPr id="5" name="PlaceHolder 1"/>
+          <p:cNvPr id="2" name="PlaceHolder 1"/>
           <p:cNvSpPr>
             <a:spLocks noGrp="1"/>
           </p:cNvSpPr>
@@ -1213,23 +1221,24 @@
         <p:txBody>
           <a:bodyPr lIns="0" rIns="0" tIns="0" bIns="0" anchor="ctr"/>
           <a:p>
-            <a:endParaRPr b="0" lang="en-US" sz="1800" spc="-1" strike="noStrike">
-              <a:solidFill>
-                <a:srgbClr val="000000"/>
-              </a:solidFill>
-              <a:uFill>
-                <a:solidFill>
-                  <a:srgbClr val="ffffff"/>
-                </a:solidFill>
-              </a:uFill>
-              <a:latin typeface="Calibri"/>
-            </a:endParaRPr>
-          </a:p>
-        </p:txBody>
-      </p:sp>
-      <p:sp>
-        <p:nvSpPr>
-          <p:cNvPr id="6" name="PlaceHolder 2"/>
+            <a:pPr algn="ctr"/>
+            <a:endParaRPr b="0" lang="en-US" sz="4400" spc="-1" strike="noStrike">
+              <a:solidFill>
+                <a:srgbClr val="000000"/>
+              </a:solidFill>
+              <a:uFill>
+                <a:solidFill>
+                  <a:srgbClr val="ffffff"/>
+                </a:solidFill>
+              </a:uFill>
+              <a:latin typeface="Arial"/>
+            </a:endParaRPr>
+          </a:p>
+        </p:txBody>
+      </p:sp>
+      <p:sp>
+        <p:nvSpPr>
+          <p:cNvPr id="3" name="PlaceHolder 2"/>
           <p:cNvSpPr>
             <a:spLocks noGrp="1"/>
           </p:cNvSpPr>
@@ -1288,7 +1297,7 @@
       </p:grpSpPr>
       <p:sp>
         <p:nvSpPr>
-          <p:cNvPr id="57" name="PlaceHolder 1"/>
+          <p:cNvPr id="51" name="PlaceHolder 1"/>
           <p:cNvSpPr>
             <a:spLocks noGrp="1"/>
           </p:cNvSpPr>
@@ -1308,23 +1317,24 @@
         <p:txBody>
           <a:bodyPr lIns="0" rIns="0" tIns="0" bIns="0" anchor="ctr"/>
           <a:p>
-            <a:endParaRPr b="0" lang="en-US" sz="1800" spc="-1" strike="noStrike">
-              <a:solidFill>
-                <a:srgbClr val="000000"/>
-              </a:solidFill>
-              <a:uFill>
-                <a:solidFill>
-                  <a:srgbClr val="ffffff"/>
-                </a:solidFill>
-              </a:uFill>
-              <a:latin typeface="Calibri"/>
-            </a:endParaRPr>
-          </a:p>
-        </p:txBody>
-      </p:sp>
-      <p:sp>
-        <p:nvSpPr>
-          <p:cNvPr id="58" name="PlaceHolder 2"/>
+            <a:pPr algn="ctr"/>
+            <a:endParaRPr b="0" lang="en-US" sz="4400" spc="-1" strike="noStrike">
+              <a:solidFill>
+                <a:srgbClr val="000000"/>
+              </a:solidFill>
+              <a:uFill>
+                <a:solidFill>
+                  <a:srgbClr val="ffffff"/>
+                </a:solidFill>
+              </a:uFill>
+              <a:latin typeface="Arial"/>
+            </a:endParaRPr>
+          </a:p>
+        </p:txBody>
+      </p:sp>
+      <p:sp>
+        <p:nvSpPr>
+          <p:cNvPr id="52" name="PlaceHolder 2"/>
           <p:cNvSpPr>
             <a:spLocks noGrp="1"/>
           </p:cNvSpPr>
@@ -1344,23 +1354,23 @@
         <p:txBody>
           <a:bodyPr lIns="0" rIns="0" tIns="0" bIns="0"/>
           <a:p>
-            <a:endParaRPr b="0" lang="en-US" sz="2800" spc="-1" strike="noStrike">
-              <a:solidFill>
-                <a:srgbClr val="000000"/>
-              </a:solidFill>
-              <a:uFill>
-                <a:solidFill>
-                  <a:srgbClr val="ffffff"/>
-                </a:solidFill>
-              </a:uFill>
-              <a:latin typeface="Calibri"/>
-            </a:endParaRPr>
-          </a:p>
-        </p:txBody>
-      </p:sp>
-      <p:sp>
-        <p:nvSpPr>
-          <p:cNvPr id="59" name="PlaceHolder 3"/>
+            <a:endParaRPr b="0" lang="en-US" sz="3200" spc="-1" strike="noStrike">
+              <a:solidFill>
+                <a:srgbClr val="000000"/>
+              </a:solidFill>
+              <a:uFill>
+                <a:solidFill>
+                  <a:srgbClr val="ffffff"/>
+                </a:solidFill>
+              </a:uFill>
+              <a:latin typeface="Arial"/>
+            </a:endParaRPr>
+          </a:p>
+        </p:txBody>
+      </p:sp>
+      <p:sp>
+        <p:nvSpPr>
+          <p:cNvPr id="53" name="PlaceHolder 3"/>
           <p:cNvSpPr>
             <a:spLocks noGrp="1"/>
           </p:cNvSpPr>
@@ -1380,23 +1390,23 @@
         <p:txBody>
           <a:bodyPr lIns="0" rIns="0" tIns="0" bIns="0"/>
           <a:p>
-            <a:endParaRPr b="0" lang="en-US" sz="2800" spc="-1" strike="noStrike">
-              <a:solidFill>
-                <a:srgbClr val="000000"/>
-              </a:solidFill>
-              <a:uFill>
-                <a:solidFill>
-                  <a:srgbClr val="ffffff"/>
-                </a:solidFill>
-              </a:uFill>
-              <a:latin typeface="Calibri"/>
-            </a:endParaRPr>
-          </a:p>
-        </p:txBody>
-      </p:sp>
-      <p:sp>
-        <p:nvSpPr>
-          <p:cNvPr id="60" name="PlaceHolder 4"/>
+            <a:endParaRPr b="0" lang="en-US" sz="3200" spc="-1" strike="noStrike">
+              <a:solidFill>
+                <a:srgbClr val="000000"/>
+              </a:solidFill>
+              <a:uFill>
+                <a:solidFill>
+                  <a:srgbClr val="ffffff"/>
+                </a:solidFill>
+              </a:uFill>
+              <a:latin typeface="Arial"/>
+            </a:endParaRPr>
+          </a:p>
+        </p:txBody>
+      </p:sp>
+      <p:sp>
+        <p:nvSpPr>
+          <p:cNvPr id="54" name="PlaceHolder 4"/>
           <p:cNvSpPr>
             <a:spLocks noGrp="1"/>
           </p:cNvSpPr>
@@ -1416,16 +1426,16 @@
         <p:txBody>
           <a:bodyPr lIns="0" rIns="0" tIns="0" bIns="0"/>
           <a:p>
-            <a:endParaRPr b="0" lang="en-US" sz="2800" spc="-1" strike="noStrike">
-              <a:solidFill>
-                <a:srgbClr val="000000"/>
-              </a:solidFill>
-              <a:uFill>
-                <a:solidFill>
-                  <a:srgbClr val="ffffff"/>
-                </a:solidFill>
-              </a:uFill>
-              <a:latin typeface="Calibri"/>
+            <a:endParaRPr b="0" lang="en-US" sz="3200" spc="-1" strike="noStrike">
+              <a:solidFill>
+                <a:srgbClr val="000000"/>
+              </a:solidFill>
+              <a:uFill>
+                <a:solidFill>
+                  <a:srgbClr val="ffffff"/>
+                </a:solidFill>
+              </a:uFill>
+              <a:latin typeface="Arial"/>
             </a:endParaRPr>
           </a:p>
         </p:txBody>
@@ -1454,7 +1464,7 @@
       </p:grpSpPr>
       <p:sp>
         <p:nvSpPr>
-          <p:cNvPr id="61" name="PlaceHolder 1"/>
+          <p:cNvPr id="55" name="PlaceHolder 1"/>
           <p:cNvSpPr>
             <a:spLocks noGrp="1"/>
           </p:cNvSpPr>
@@ -1474,23 +1484,24 @@
         <p:txBody>
           <a:bodyPr lIns="0" rIns="0" tIns="0" bIns="0" anchor="ctr"/>
           <a:p>
-            <a:endParaRPr b="0" lang="en-US" sz="1800" spc="-1" strike="noStrike">
-              <a:solidFill>
-                <a:srgbClr val="000000"/>
-              </a:solidFill>
-              <a:uFill>
-                <a:solidFill>
-                  <a:srgbClr val="ffffff"/>
-                </a:solidFill>
-              </a:uFill>
-              <a:latin typeface="Calibri"/>
-            </a:endParaRPr>
-          </a:p>
-        </p:txBody>
-      </p:sp>
-      <p:sp>
-        <p:nvSpPr>
-          <p:cNvPr id="62" name="PlaceHolder 2"/>
+            <a:pPr algn="ctr"/>
+            <a:endParaRPr b="0" lang="en-US" sz="4400" spc="-1" strike="noStrike">
+              <a:solidFill>
+                <a:srgbClr val="000000"/>
+              </a:solidFill>
+              <a:uFill>
+                <a:solidFill>
+                  <a:srgbClr val="ffffff"/>
+                </a:solidFill>
+              </a:uFill>
+              <a:latin typeface="Arial"/>
+            </a:endParaRPr>
+          </a:p>
+        </p:txBody>
+      </p:sp>
+      <p:sp>
+        <p:nvSpPr>
+          <p:cNvPr id="56" name="PlaceHolder 2"/>
           <p:cNvSpPr>
             <a:spLocks noGrp="1"/>
           </p:cNvSpPr>
@@ -1510,23 +1521,23 @@
         <p:txBody>
           <a:bodyPr lIns="0" rIns="0" tIns="0" bIns="0"/>
           <a:p>
-            <a:endParaRPr b="0" lang="en-US" sz="2800" spc="-1" strike="noStrike">
-              <a:solidFill>
-                <a:srgbClr val="000000"/>
-              </a:solidFill>
-              <a:uFill>
-                <a:solidFill>
-                  <a:srgbClr val="ffffff"/>
-                </a:solidFill>
-              </a:uFill>
-              <a:latin typeface="Calibri"/>
-            </a:endParaRPr>
-          </a:p>
-        </p:txBody>
-      </p:sp>
-      <p:sp>
-        <p:nvSpPr>
-          <p:cNvPr id="63" name="PlaceHolder 3"/>
+            <a:endParaRPr b="0" lang="en-US" sz="3200" spc="-1" strike="noStrike">
+              <a:solidFill>
+                <a:srgbClr val="000000"/>
+              </a:solidFill>
+              <a:uFill>
+                <a:solidFill>
+                  <a:srgbClr val="ffffff"/>
+                </a:solidFill>
+              </a:uFill>
+              <a:latin typeface="Arial"/>
+            </a:endParaRPr>
+          </a:p>
+        </p:txBody>
+      </p:sp>
+      <p:sp>
+        <p:nvSpPr>
+          <p:cNvPr id="57" name="PlaceHolder 3"/>
           <p:cNvSpPr>
             <a:spLocks noGrp="1"/>
           </p:cNvSpPr>
@@ -1546,23 +1557,23 @@
         <p:txBody>
           <a:bodyPr lIns="0" rIns="0" tIns="0" bIns="0"/>
           <a:p>
-            <a:endParaRPr b="0" lang="en-US" sz="2800" spc="-1" strike="noStrike">
-              <a:solidFill>
-                <a:srgbClr val="000000"/>
-              </a:solidFill>
-              <a:uFill>
-                <a:solidFill>
-                  <a:srgbClr val="ffffff"/>
-                </a:solidFill>
-              </a:uFill>
-              <a:latin typeface="Calibri"/>
-            </a:endParaRPr>
-          </a:p>
-        </p:txBody>
-      </p:sp>
-      <p:sp>
-        <p:nvSpPr>
-          <p:cNvPr id="64" name="PlaceHolder 4"/>
+            <a:endParaRPr b="0" lang="en-US" sz="3200" spc="-1" strike="noStrike">
+              <a:solidFill>
+                <a:srgbClr val="000000"/>
+              </a:solidFill>
+              <a:uFill>
+                <a:solidFill>
+                  <a:srgbClr val="ffffff"/>
+                </a:solidFill>
+              </a:uFill>
+              <a:latin typeface="Arial"/>
+            </a:endParaRPr>
+          </a:p>
+        </p:txBody>
+      </p:sp>
+      <p:sp>
+        <p:nvSpPr>
+          <p:cNvPr id="58" name="PlaceHolder 4"/>
           <p:cNvSpPr>
             <a:spLocks noGrp="1"/>
           </p:cNvSpPr>
@@ -1582,16 +1593,16 @@
         <p:txBody>
           <a:bodyPr lIns="0" rIns="0" tIns="0" bIns="0"/>
           <a:p>
-            <a:endParaRPr b="0" lang="en-US" sz="2800" spc="-1" strike="noStrike">
-              <a:solidFill>
-                <a:srgbClr val="000000"/>
-              </a:solidFill>
-              <a:uFill>
-                <a:solidFill>
-                  <a:srgbClr val="ffffff"/>
-                </a:solidFill>
-              </a:uFill>
-              <a:latin typeface="Calibri"/>
+            <a:endParaRPr b="0" lang="en-US" sz="3200" spc="-1" strike="noStrike">
+              <a:solidFill>
+                <a:srgbClr val="000000"/>
+              </a:solidFill>
+              <a:uFill>
+                <a:solidFill>
+                  <a:srgbClr val="ffffff"/>
+                </a:solidFill>
+              </a:uFill>
+              <a:latin typeface="Arial"/>
             </a:endParaRPr>
           </a:p>
         </p:txBody>
@@ -1620,7 +1631,7 @@
       </p:grpSpPr>
       <p:sp>
         <p:nvSpPr>
-          <p:cNvPr id="65" name="PlaceHolder 1"/>
+          <p:cNvPr id="59" name="PlaceHolder 1"/>
           <p:cNvSpPr>
             <a:spLocks noGrp="1"/>
           </p:cNvSpPr>
@@ -1640,23 +1651,24 @@
         <p:txBody>
           <a:bodyPr lIns="0" rIns="0" tIns="0" bIns="0" anchor="ctr"/>
           <a:p>
-            <a:endParaRPr b="0" lang="en-US" sz="1800" spc="-1" strike="noStrike">
-              <a:solidFill>
-                <a:srgbClr val="000000"/>
-              </a:solidFill>
-              <a:uFill>
-                <a:solidFill>
-                  <a:srgbClr val="ffffff"/>
-                </a:solidFill>
-              </a:uFill>
-              <a:latin typeface="Calibri"/>
-            </a:endParaRPr>
-          </a:p>
-        </p:txBody>
-      </p:sp>
-      <p:sp>
-        <p:nvSpPr>
-          <p:cNvPr id="66" name="PlaceHolder 2"/>
+            <a:pPr algn="ctr"/>
+            <a:endParaRPr b="0" lang="en-US" sz="4400" spc="-1" strike="noStrike">
+              <a:solidFill>
+                <a:srgbClr val="000000"/>
+              </a:solidFill>
+              <a:uFill>
+                <a:solidFill>
+                  <a:srgbClr val="ffffff"/>
+                </a:solidFill>
+              </a:uFill>
+              <a:latin typeface="Arial"/>
+            </a:endParaRPr>
+          </a:p>
+        </p:txBody>
+      </p:sp>
+      <p:sp>
+        <p:nvSpPr>
+          <p:cNvPr id="60" name="PlaceHolder 2"/>
           <p:cNvSpPr>
             <a:spLocks noGrp="1"/>
           </p:cNvSpPr>
@@ -1676,23 +1688,23 @@
         <p:txBody>
           <a:bodyPr lIns="0" rIns="0" tIns="0" bIns="0"/>
           <a:p>
-            <a:endParaRPr b="0" lang="en-US" sz="2800" spc="-1" strike="noStrike">
-              <a:solidFill>
-                <a:srgbClr val="000000"/>
-              </a:solidFill>
-              <a:uFill>
-                <a:solidFill>
-                  <a:srgbClr val="ffffff"/>
-                </a:solidFill>
-              </a:uFill>
-              <a:latin typeface="Calibri"/>
-            </a:endParaRPr>
-          </a:p>
-        </p:txBody>
-      </p:sp>
-      <p:sp>
-        <p:nvSpPr>
-          <p:cNvPr id="67" name="PlaceHolder 3"/>
+            <a:endParaRPr b="0" lang="en-US" sz="3200" spc="-1" strike="noStrike">
+              <a:solidFill>
+                <a:srgbClr val="000000"/>
+              </a:solidFill>
+              <a:uFill>
+                <a:solidFill>
+                  <a:srgbClr val="ffffff"/>
+                </a:solidFill>
+              </a:uFill>
+              <a:latin typeface="Arial"/>
+            </a:endParaRPr>
+          </a:p>
+        </p:txBody>
+      </p:sp>
+      <p:sp>
+        <p:nvSpPr>
+          <p:cNvPr id="61" name="PlaceHolder 3"/>
           <p:cNvSpPr>
             <a:spLocks noGrp="1"/>
           </p:cNvSpPr>
@@ -1712,16 +1724,16 @@
         <p:txBody>
           <a:bodyPr lIns="0" rIns="0" tIns="0" bIns="0"/>
           <a:p>
-            <a:endParaRPr b="0" lang="en-US" sz="2800" spc="-1" strike="noStrike">
-              <a:solidFill>
-                <a:srgbClr val="000000"/>
-              </a:solidFill>
-              <a:uFill>
-                <a:solidFill>
-                  <a:srgbClr val="ffffff"/>
-                </a:solidFill>
-              </a:uFill>
-              <a:latin typeface="Calibri"/>
+            <a:endParaRPr b="0" lang="en-US" sz="3200" spc="-1" strike="noStrike">
+              <a:solidFill>
+                <a:srgbClr val="000000"/>
+              </a:solidFill>
+              <a:uFill>
+                <a:solidFill>
+                  <a:srgbClr val="ffffff"/>
+                </a:solidFill>
+              </a:uFill>
+              <a:latin typeface="Arial"/>
             </a:endParaRPr>
           </a:p>
         </p:txBody>
@@ -1750,7 +1762,7 @@
       </p:grpSpPr>
       <p:sp>
         <p:nvSpPr>
-          <p:cNvPr id="68" name="PlaceHolder 1"/>
+          <p:cNvPr id="62" name="PlaceHolder 1"/>
           <p:cNvSpPr>
             <a:spLocks noGrp="1"/>
           </p:cNvSpPr>
@@ -1770,23 +1782,24 @@
         <p:txBody>
           <a:bodyPr lIns="0" rIns="0" tIns="0" bIns="0" anchor="ctr"/>
           <a:p>
-            <a:endParaRPr b="0" lang="en-US" sz="1800" spc="-1" strike="noStrike">
-              <a:solidFill>
-                <a:srgbClr val="000000"/>
-              </a:solidFill>
-              <a:uFill>
-                <a:solidFill>
-                  <a:srgbClr val="ffffff"/>
-                </a:solidFill>
-              </a:uFill>
-              <a:latin typeface="Calibri"/>
-            </a:endParaRPr>
-          </a:p>
-        </p:txBody>
-      </p:sp>
-      <p:sp>
-        <p:nvSpPr>
-          <p:cNvPr id="69" name="PlaceHolder 2"/>
+            <a:pPr algn="ctr"/>
+            <a:endParaRPr b="0" lang="en-US" sz="4400" spc="-1" strike="noStrike">
+              <a:solidFill>
+                <a:srgbClr val="000000"/>
+              </a:solidFill>
+              <a:uFill>
+                <a:solidFill>
+                  <a:srgbClr val="ffffff"/>
+                </a:solidFill>
+              </a:uFill>
+              <a:latin typeface="Arial"/>
+            </a:endParaRPr>
+          </a:p>
+        </p:txBody>
+      </p:sp>
+      <p:sp>
+        <p:nvSpPr>
+          <p:cNvPr id="63" name="PlaceHolder 2"/>
           <p:cNvSpPr>
             <a:spLocks noGrp="1"/>
           </p:cNvSpPr>
@@ -1806,23 +1819,23 @@
         <p:txBody>
           <a:bodyPr lIns="0" rIns="0" tIns="0" bIns="0"/>
           <a:p>
-            <a:endParaRPr b="0" lang="en-US" sz="2800" spc="-1" strike="noStrike">
-              <a:solidFill>
-                <a:srgbClr val="000000"/>
-              </a:solidFill>
-              <a:uFill>
-                <a:solidFill>
-                  <a:srgbClr val="ffffff"/>
-                </a:solidFill>
-              </a:uFill>
-              <a:latin typeface="Calibri"/>
-            </a:endParaRPr>
-          </a:p>
-        </p:txBody>
-      </p:sp>
-      <p:sp>
-        <p:nvSpPr>
-          <p:cNvPr id="70" name="PlaceHolder 3"/>
+            <a:endParaRPr b="0" lang="en-US" sz="3200" spc="-1" strike="noStrike">
+              <a:solidFill>
+                <a:srgbClr val="000000"/>
+              </a:solidFill>
+              <a:uFill>
+                <a:solidFill>
+                  <a:srgbClr val="ffffff"/>
+                </a:solidFill>
+              </a:uFill>
+              <a:latin typeface="Arial"/>
+            </a:endParaRPr>
+          </a:p>
+        </p:txBody>
+      </p:sp>
+      <p:sp>
+        <p:nvSpPr>
+          <p:cNvPr id="64" name="PlaceHolder 3"/>
           <p:cNvSpPr>
             <a:spLocks noGrp="1"/>
           </p:cNvSpPr>
@@ -1842,23 +1855,23 @@
         <p:txBody>
           <a:bodyPr lIns="0" rIns="0" tIns="0" bIns="0"/>
           <a:p>
-            <a:endParaRPr b="0" lang="en-US" sz="2800" spc="-1" strike="noStrike">
-              <a:solidFill>
-                <a:srgbClr val="000000"/>
-              </a:solidFill>
-              <a:uFill>
-                <a:solidFill>
-                  <a:srgbClr val="ffffff"/>
-                </a:solidFill>
-              </a:uFill>
-              <a:latin typeface="Calibri"/>
-            </a:endParaRPr>
-          </a:p>
-        </p:txBody>
-      </p:sp>
-      <p:sp>
-        <p:nvSpPr>
-          <p:cNvPr id="71" name="PlaceHolder 4"/>
+            <a:endParaRPr b="0" lang="en-US" sz="3200" spc="-1" strike="noStrike">
+              <a:solidFill>
+                <a:srgbClr val="000000"/>
+              </a:solidFill>
+              <a:uFill>
+                <a:solidFill>
+                  <a:srgbClr val="ffffff"/>
+                </a:solidFill>
+              </a:uFill>
+              <a:latin typeface="Arial"/>
+            </a:endParaRPr>
+          </a:p>
+        </p:txBody>
+      </p:sp>
+      <p:sp>
+        <p:nvSpPr>
+          <p:cNvPr id="65" name="PlaceHolder 4"/>
           <p:cNvSpPr>
             <a:spLocks noGrp="1"/>
           </p:cNvSpPr>
@@ -1878,23 +1891,23 @@
         <p:txBody>
           <a:bodyPr lIns="0" rIns="0" tIns="0" bIns="0"/>
           <a:p>
-            <a:endParaRPr b="0" lang="en-US" sz="2800" spc="-1" strike="noStrike">
-              <a:solidFill>
-                <a:srgbClr val="000000"/>
-              </a:solidFill>
-              <a:uFill>
-                <a:solidFill>
-                  <a:srgbClr val="ffffff"/>
-                </a:solidFill>
-              </a:uFill>
-              <a:latin typeface="Calibri"/>
-            </a:endParaRPr>
-          </a:p>
-        </p:txBody>
-      </p:sp>
-      <p:sp>
-        <p:nvSpPr>
-          <p:cNvPr id="72" name="PlaceHolder 5"/>
+            <a:endParaRPr b="0" lang="en-US" sz="3200" spc="-1" strike="noStrike">
+              <a:solidFill>
+                <a:srgbClr val="000000"/>
+              </a:solidFill>
+              <a:uFill>
+                <a:solidFill>
+                  <a:srgbClr val="ffffff"/>
+                </a:solidFill>
+              </a:uFill>
+              <a:latin typeface="Arial"/>
+            </a:endParaRPr>
+          </a:p>
+        </p:txBody>
+      </p:sp>
+      <p:sp>
+        <p:nvSpPr>
+          <p:cNvPr id="66" name="PlaceHolder 5"/>
           <p:cNvSpPr>
             <a:spLocks noGrp="1"/>
           </p:cNvSpPr>
@@ -1914,16 +1927,16 @@
         <p:txBody>
           <a:bodyPr lIns="0" rIns="0" tIns="0" bIns="0"/>
           <a:p>
-            <a:endParaRPr b="0" lang="en-US" sz="2800" spc="-1" strike="noStrike">
-              <a:solidFill>
-                <a:srgbClr val="000000"/>
-              </a:solidFill>
-              <a:uFill>
-                <a:solidFill>
-                  <a:srgbClr val="ffffff"/>
-                </a:solidFill>
-              </a:uFill>
-              <a:latin typeface="Calibri"/>
+            <a:endParaRPr b="0" lang="en-US" sz="3200" spc="-1" strike="noStrike">
+              <a:solidFill>
+                <a:srgbClr val="000000"/>
+              </a:solidFill>
+              <a:uFill>
+                <a:solidFill>
+                  <a:srgbClr val="ffffff"/>
+                </a:solidFill>
+              </a:uFill>
+              <a:latin typeface="Arial"/>
             </a:endParaRPr>
           </a:p>
         </p:txBody>
@@ -1952,7 +1965,7 @@
       </p:grpSpPr>
       <p:sp>
         <p:nvSpPr>
-          <p:cNvPr id="73" name="PlaceHolder 1"/>
+          <p:cNvPr id="67" name="PlaceHolder 1"/>
           <p:cNvSpPr>
             <a:spLocks noGrp="1"/>
           </p:cNvSpPr>
@@ -1972,23 +1985,24 @@
         <p:txBody>
           <a:bodyPr lIns="0" rIns="0" tIns="0" bIns="0" anchor="ctr"/>
           <a:p>
-            <a:endParaRPr b="0" lang="en-US" sz="1800" spc="-1" strike="noStrike">
-              <a:solidFill>
-                <a:srgbClr val="000000"/>
-              </a:solidFill>
-              <a:uFill>
-                <a:solidFill>
-                  <a:srgbClr val="ffffff"/>
-                </a:solidFill>
-              </a:uFill>
-              <a:latin typeface="Calibri"/>
-            </a:endParaRPr>
-          </a:p>
-        </p:txBody>
-      </p:sp>
-      <p:sp>
-        <p:nvSpPr>
-          <p:cNvPr id="74" name="PlaceHolder 2"/>
+            <a:pPr algn="ctr"/>
+            <a:endParaRPr b="0" lang="en-US" sz="4400" spc="-1" strike="noStrike">
+              <a:solidFill>
+                <a:srgbClr val="000000"/>
+              </a:solidFill>
+              <a:uFill>
+                <a:solidFill>
+                  <a:srgbClr val="ffffff"/>
+                </a:solidFill>
+              </a:uFill>
+              <a:latin typeface="Arial"/>
+            </a:endParaRPr>
+          </a:p>
+        </p:txBody>
+      </p:sp>
+      <p:sp>
+        <p:nvSpPr>
+          <p:cNvPr id="68" name="PlaceHolder 2"/>
           <p:cNvSpPr>
             <a:spLocks noGrp="1"/>
           </p:cNvSpPr>
@@ -2008,23 +2022,23 @@
         <p:txBody>
           <a:bodyPr lIns="0" rIns="0" tIns="0" bIns="0"/>
           <a:p>
-            <a:endParaRPr b="0" lang="en-US" sz="2800" spc="-1" strike="noStrike">
-              <a:solidFill>
-                <a:srgbClr val="000000"/>
-              </a:solidFill>
-              <a:uFill>
-                <a:solidFill>
-                  <a:srgbClr val="ffffff"/>
-                </a:solidFill>
-              </a:uFill>
-              <a:latin typeface="Calibri"/>
-            </a:endParaRPr>
-          </a:p>
-        </p:txBody>
-      </p:sp>
-      <p:sp>
-        <p:nvSpPr>
-          <p:cNvPr id="75" name="PlaceHolder 3"/>
+            <a:endParaRPr b="0" lang="en-US" sz="3200" spc="-1" strike="noStrike">
+              <a:solidFill>
+                <a:srgbClr val="000000"/>
+              </a:solidFill>
+              <a:uFill>
+                <a:solidFill>
+                  <a:srgbClr val="ffffff"/>
+                </a:solidFill>
+              </a:uFill>
+              <a:latin typeface="Arial"/>
+            </a:endParaRPr>
+          </a:p>
+        </p:txBody>
+      </p:sp>
+      <p:sp>
+        <p:nvSpPr>
+          <p:cNvPr id="69" name="PlaceHolder 3"/>
           <p:cNvSpPr>
             <a:spLocks noGrp="1"/>
           </p:cNvSpPr>
@@ -2044,23 +2058,23 @@
         <p:txBody>
           <a:bodyPr lIns="0" rIns="0" tIns="0" bIns="0"/>
           <a:p>
-            <a:endParaRPr b="0" lang="en-US" sz="2800" spc="-1" strike="noStrike">
-              <a:solidFill>
-                <a:srgbClr val="000000"/>
-              </a:solidFill>
-              <a:uFill>
-                <a:solidFill>
-                  <a:srgbClr val="ffffff"/>
-                </a:solidFill>
-              </a:uFill>
-              <a:latin typeface="Calibri"/>
+            <a:endParaRPr b="0" lang="en-US" sz="3200" spc="-1" strike="noStrike">
+              <a:solidFill>
+                <a:srgbClr val="000000"/>
+              </a:solidFill>
+              <a:uFill>
+                <a:solidFill>
+                  <a:srgbClr val="ffffff"/>
+                </a:solidFill>
+              </a:uFill>
+              <a:latin typeface="Arial"/>
             </a:endParaRPr>
           </a:p>
         </p:txBody>
       </p:sp>
       <p:pic>
         <p:nvPicPr>
-          <p:cNvPr id="76" name="" descr=""/>
+          <p:cNvPr id="70" name="" descr=""/>
           <p:cNvPicPr/>
           <p:nvPr/>
         </p:nvPicPr>
@@ -2083,7 +2097,7 @@
       </p:pic>
       <p:pic>
         <p:nvPicPr>
-          <p:cNvPr id="77" name="" descr=""/>
+          <p:cNvPr id="71" name="" descr=""/>
           <p:cNvPicPr/>
           <p:nvPr/>
         </p:nvPicPr>
@@ -2128,7 +2142,7 @@
       </p:grpSpPr>
       <p:sp>
         <p:nvSpPr>
-          <p:cNvPr id="7" name="PlaceHolder 1"/>
+          <p:cNvPr id="4" name="PlaceHolder 1"/>
           <p:cNvSpPr>
             <a:spLocks noGrp="1"/>
           </p:cNvSpPr>
@@ -2148,23 +2162,24 @@
         <p:txBody>
           <a:bodyPr lIns="0" rIns="0" tIns="0" bIns="0" anchor="ctr"/>
           <a:p>
-            <a:endParaRPr b="0" lang="en-US" sz="1800" spc="-1" strike="noStrike">
-              <a:solidFill>
-                <a:srgbClr val="000000"/>
-              </a:solidFill>
-              <a:uFill>
-                <a:solidFill>
-                  <a:srgbClr val="ffffff"/>
-                </a:solidFill>
-              </a:uFill>
-              <a:latin typeface="Calibri"/>
-            </a:endParaRPr>
-          </a:p>
-        </p:txBody>
-      </p:sp>
-      <p:sp>
-        <p:nvSpPr>
-          <p:cNvPr id="8" name="PlaceHolder 2"/>
+            <a:pPr algn="ctr"/>
+            <a:endParaRPr b="0" lang="en-US" sz="4400" spc="-1" strike="noStrike">
+              <a:solidFill>
+                <a:srgbClr val="000000"/>
+              </a:solidFill>
+              <a:uFill>
+                <a:solidFill>
+                  <a:srgbClr val="ffffff"/>
+                </a:solidFill>
+              </a:uFill>
+              <a:latin typeface="Arial"/>
+            </a:endParaRPr>
+          </a:p>
+        </p:txBody>
+      </p:sp>
+      <p:sp>
+        <p:nvSpPr>
+          <p:cNvPr id="5" name="PlaceHolder 2"/>
           <p:cNvSpPr>
             <a:spLocks noGrp="1"/>
           </p:cNvSpPr>
@@ -2184,16 +2199,16 @@
         <p:txBody>
           <a:bodyPr lIns="0" rIns="0" tIns="0" bIns="0"/>
           <a:p>
-            <a:endParaRPr b="0" lang="en-US" sz="2800" spc="-1" strike="noStrike">
-              <a:solidFill>
-                <a:srgbClr val="000000"/>
-              </a:solidFill>
-              <a:uFill>
-                <a:solidFill>
-                  <a:srgbClr val="ffffff"/>
-                </a:solidFill>
-              </a:uFill>
-              <a:latin typeface="Calibri"/>
+            <a:endParaRPr b="0" lang="en-US" sz="3200" spc="-1" strike="noStrike">
+              <a:solidFill>
+                <a:srgbClr val="000000"/>
+              </a:solidFill>
+              <a:uFill>
+                <a:solidFill>
+                  <a:srgbClr val="ffffff"/>
+                </a:solidFill>
+              </a:uFill>
+              <a:latin typeface="Arial"/>
             </a:endParaRPr>
           </a:p>
         </p:txBody>
@@ -2222,7 +2237,7 @@
       </p:grpSpPr>
       <p:sp>
         <p:nvSpPr>
-          <p:cNvPr id="9" name="PlaceHolder 1"/>
+          <p:cNvPr id="6" name="PlaceHolder 1"/>
           <p:cNvSpPr>
             <a:spLocks noGrp="1"/>
           </p:cNvSpPr>
@@ -2242,23 +2257,24 @@
         <p:txBody>
           <a:bodyPr lIns="0" rIns="0" tIns="0" bIns="0" anchor="ctr"/>
           <a:p>
-            <a:endParaRPr b="0" lang="en-US" sz="1800" spc="-1" strike="noStrike">
-              <a:solidFill>
-                <a:srgbClr val="000000"/>
-              </a:solidFill>
-              <a:uFill>
-                <a:solidFill>
-                  <a:srgbClr val="ffffff"/>
-                </a:solidFill>
-              </a:uFill>
-              <a:latin typeface="Calibri"/>
-            </a:endParaRPr>
-          </a:p>
-        </p:txBody>
-      </p:sp>
-      <p:sp>
-        <p:nvSpPr>
-          <p:cNvPr id="10" name="PlaceHolder 2"/>
+            <a:pPr algn="ctr"/>
+            <a:endParaRPr b="0" lang="en-US" sz="4400" spc="-1" strike="noStrike">
+              <a:solidFill>
+                <a:srgbClr val="000000"/>
+              </a:solidFill>
+              <a:uFill>
+                <a:solidFill>
+                  <a:srgbClr val="ffffff"/>
+                </a:solidFill>
+              </a:uFill>
+              <a:latin typeface="Arial"/>
+            </a:endParaRPr>
+          </a:p>
+        </p:txBody>
+      </p:sp>
+      <p:sp>
+        <p:nvSpPr>
+          <p:cNvPr id="7" name="PlaceHolder 2"/>
           <p:cNvSpPr>
             <a:spLocks noGrp="1"/>
           </p:cNvSpPr>
@@ -2278,23 +2294,23 @@
         <p:txBody>
           <a:bodyPr lIns="0" rIns="0" tIns="0" bIns="0"/>
           <a:p>
-            <a:endParaRPr b="0" lang="en-US" sz="2800" spc="-1" strike="noStrike">
-              <a:solidFill>
-                <a:srgbClr val="000000"/>
-              </a:solidFill>
-              <a:uFill>
-                <a:solidFill>
-                  <a:srgbClr val="ffffff"/>
-                </a:solidFill>
-              </a:uFill>
-              <a:latin typeface="Calibri"/>
-            </a:endParaRPr>
-          </a:p>
-        </p:txBody>
-      </p:sp>
-      <p:sp>
-        <p:nvSpPr>
-          <p:cNvPr id="11" name="PlaceHolder 3"/>
+            <a:endParaRPr b="0" lang="en-US" sz="3200" spc="-1" strike="noStrike">
+              <a:solidFill>
+                <a:srgbClr val="000000"/>
+              </a:solidFill>
+              <a:uFill>
+                <a:solidFill>
+                  <a:srgbClr val="ffffff"/>
+                </a:solidFill>
+              </a:uFill>
+              <a:latin typeface="Arial"/>
+            </a:endParaRPr>
+          </a:p>
+        </p:txBody>
+      </p:sp>
+      <p:sp>
+        <p:nvSpPr>
+          <p:cNvPr id="8" name="PlaceHolder 3"/>
           <p:cNvSpPr>
             <a:spLocks noGrp="1"/>
           </p:cNvSpPr>
@@ -2314,16 +2330,16 @@
         <p:txBody>
           <a:bodyPr lIns="0" rIns="0" tIns="0" bIns="0"/>
           <a:p>
-            <a:endParaRPr b="0" lang="en-US" sz="2800" spc="-1" strike="noStrike">
-              <a:solidFill>
-                <a:srgbClr val="000000"/>
-              </a:solidFill>
-              <a:uFill>
-                <a:solidFill>
-                  <a:srgbClr val="ffffff"/>
-                </a:solidFill>
-              </a:uFill>
-              <a:latin typeface="Calibri"/>
+            <a:endParaRPr b="0" lang="en-US" sz="3200" spc="-1" strike="noStrike">
+              <a:solidFill>
+                <a:srgbClr val="000000"/>
+              </a:solidFill>
+              <a:uFill>
+                <a:solidFill>
+                  <a:srgbClr val="ffffff"/>
+                </a:solidFill>
+              </a:uFill>
+              <a:latin typeface="Arial"/>
             </a:endParaRPr>
           </a:p>
         </p:txBody>
@@ -2352,7 +2368,7 @@
       </p:grpSpPr>
       <p:sp>
         <p:nvSpPr>
-          <p:cNvPr id="12" name="PlaceHolder 1"/>
+          <p:cNvPr id="9" name="PlaceHolder 1"/>
           <p:cNvSpPr>
             <a:spLocks noGrp="1"/>
           </p:cNvSpPr>
@@ -2372,16 +2388,17 @@
         <p:txBody>
           <a:bodyPr lIns="0" rIns="0" tIns="0" bIns="0" anchor="ctr"/>
           <a:p>
-            <a:endParaRPr b="0" lang="en-US" sz="1800" spc="-1" strike="noStrike">
-              <a:solidFill>
-                <a:srgbClr val="000000"/>
-              </a:solidFill>
-              <a:uFill>
-                <a:solidFill>
-                  <a:srgbClr val="ffffff"/>
-                </a:solidFill>
-              </a:uFill>
-              <a:latin typeface="Calibri"/>
+            <a:pPr algn="ctr"/>
+            <a:endParaRPr b="0" lang="en-US" sz="4400" spc="-1" strike="noStrike">
+              <a:solidFill>
+                <a:srgbClr val="000000"/>
+              </a:solidFill>
+              <a:uFill>
+                <a:solidFill>
+                  <a:srgbClr val="ffffff"/>
+                </a:solidFill>
+              </a:uFill>
+              <a:latin typeface="Arial"/>
             </a:endParaRPr>
           </a:p>
         </p:txBody>
@@ -2410,7 +2427,7 @@
       </p:grpSpPr>
       <p:sp>
         <p:nvSpPr>
-          <p:cNvPr id="13" name="PlaceHolder 1"/>
+          <p:cNvPr id="10" name="PlaceHolder 1"/>
           <p:cNvSpPr>
             <a:spLocks noGrp="1"/>
           </p:cNvSpPr>
@@ -2469,7 +2486,7 @@
       </p:grpSpPr>
       <p:sp>
         <p:nvSpPr>
-          <p:cNvPr id="14" name="PlaceHolder 1"/>
+          <p:cNvPr id="11" name="PlaceHolder 1"/>
           <p:cNvSpPr>
             <a:spLocks noGrp="1"/>
           </p:cNvSpPr>
@@ -2489,23 +2506,24 @@
         <p:txBody>
           <a:bodyPr lIns="0" rIns="0" tIns="0" bIns="0" anchor="ctr"/>
           <a:p>
-            <a:endParaRPr b="0" lang="en-US" sz="1800" spc="-1" strike="noStrike">
-              <a:solidFill>
-                <a:srgbClr val="000000"/>
-              </a:solidFill>
-              <a:uFill>
-                <a:solidFill>
-                  <a:srgbClr val="ffffff"/>
-                </a:solidFill>
-              </a:uFill>
-              <a:latin typeface="Calibri"/>
-            </a:endParaRPr>
-          </a:p>
-        </p:txBody>
-      </p:sp>
-      <p:sp>
-        <p:nvSpPr>
-          <p:cNvPr id="15" name="PlaceHolder 2"/>
+            <a:pPr algn="ctr"/>
+            <a:endParaRPr b="0" lang="en-US" sz="4400" spc="-1" strike="noStrike">
+              <a:solidFill>
+                <a:srgbClr val="000000"/>
+              </a:solidFill>
+              <a:uFill>
+                <a:solidFill>
+                  <a:srgbClr val="ffffff"/>
+                </a:solidFill>
+              </a:uFill>
+              <a:latin typeface="Arial"/>
+            </a:endParaRPr>
+          </a:p>
+        </p:txBody>
+      </p:sp>
+      <p:sp>
+        <p:nvSpPr>
+          <p:cNvPr id="12" name="PlaceHolder 2"/>
           <p:cNvSpPr>
             <a:spLocks noGrp="1"/>
           </p:cNvSpPr>
@@ -2525,23 +2543,23 @@
         <p:txBody>
           <a:bodyPr lIns="0" rIns="0" tIns="0" bIns="0"/>
           <a:p>
-            <a:endParaRPr b="0" lang="en-US" sz="2800" spc="-1" strike="noStrike">
-              <a:solidFill>
-                <a:srgbClr val="000000"/>
-              </a:solidFill>
-              <a:uFill>
-                <a:solidFill>
-                  <a:srgbClr val="ffffff"/>
-                </a:solidFill>
-              </a:uFill>
-              <a:latin typeface="Calibri"/>
-            </a:endParaRPr>
-          </a:p>
-        </p:txBody>
-      </p:sp>
-      <p:sp>
-        <p:nvSpPr>
-          <p:cNvPr id="16" name="PlaceHolder 3"/>
+            <a:endParaRPr b="0" lang="en-US" sz="3200" spc="-1" strike="noStrike">
+              <a:solidFill>
+                <a:srgbClr val="000000"/>
+              </a:solidFill>
+              <a:uFill>
+                <a:solidFill>
+                  <a:srgbClr val="ffffff"/>
+                </a:solidFill>
+              </a:uFill>
+              <a:latin typeface="Arial"/>
+            </a:endParaRPr>
+          </a:p>
+        </p:txBody>
+      </p:sp>
+      <p:sp>
+        <p:nvSpPr>
+          <p:cNvPr id="13" name="PlaceHolder 3"/>
           <p:cNvSpPr>
             <a:spLocks noGrp="1"/>
           </p:cNvSpPr>
@@ -2561,23 +2579,23 @@
         <p:txBody>
           <a:bodyPr lIns="0" rIns="0" tIns="0" bIns="0"/>
           <a:p>
-            <a:endParaRPr b="0" lang="en-US" sz="2800" spc="-1" strike="noStrike">
-              <a:solidFill>
-                <a:srgbClr val="000000"/>
-              </a:solidFill>
-              <a:uFill>
-                <a:solidFill>
-                  <a:srgbClr val="ffffff"/>
-                </a:solidFill>
-              </a:uFill>
-              <a:latin typeface="Calibri"/>
-            </a:endParaRPr>
-          </a:p>
-        </p:txBody>
-      </p:sp>
-      <p:sp>
-        <p:nvSpPr>
-          <p:cNvPr id="17" name="PlaceHolder 4"/>
+            <a:endParaRPr b="0" lang="en-US" sz="3200" spc="-1" strike="noStrike">
+              <a:solidFill>
+                <a:srgbClr val="000000"/>
+              </a:solidFill>
+              <a:uFill>
+                <a:solidFill>
+                  <a:srgbClr val="ffffff"/>
+                </a:solidFill>
+              </a:uFill>
+              <a:latin typeface="Arial"/>
+            </a:endParaRPr>
+          </a:p>
+        </p:txBody>
+      </p:sp>
+      <p:sp>
+        <p:nvSpPr>
+          <p:cNvPr id="14" name="PlaceHolder 4"/>
           <p:cNvSpPr>
             <a:spLocks noGrp="1"/>
           </p:cNvSpPr>
@@ -2597,16 +2615,16 @@
         <p:txBody>
           <a:bodyPr lIns="0" rIns="0" tIns="0" bIns="0"/>
           <a:p>
-            <a:endParaRPr b="0" lang="en-US" sz="2800" spc="-1" strike="noStrike">
-              <a:solidFill>
-                <a:srgbClr val="000000"/>
-              </a:solidFill>
-              <a:uFill>
-                <a:solidFill>
-                  <a:srgbClr val="ffffff"/>
-                </a:solidFill>
-              </a:uFill>
-              <a:latin typeface="Calibri"/>
+            <a:endParaRPr b="0" lang="en-US" sz="3200" spc="-1" strike="noStrike">
+              <a:solidFill>
+                <a:srgbClr val="000000"/>
+              </a:solidFill>
+              <a:uFill>
+                <a:solidFill>
+                  <a:srgbClr val="ffffff"/>
+                </a:solidFill>
+              </a:uFill>
+              <a:latin typeface="Arial"/>
             </a:endParaRPr>
           </a:p>
         </p:txBody>
@@ -2635,7 +2653,7 @@
       </p:grpSpPr>
       <p:sp>
         <p:nvSpPr>
-          <p:cNvPr id="18" name="PlaceHolder 1"/>
+          <p:cNvPr id="15" name="PlaceHolder 1"/>
           <p:cNvSpPr>
             <a:spLocks noGrp="1"/>
           </p:cNvSpPr>
@@ -2655,23 +2673,24 @@
         <p:txBody>
           <a:bodyPr lIns="0" rIns="0" tIns="0" bIns="0" anchor="ctr"/>
           <a:p>
-            <a:endParaRPr b="0" lang="en-US" sz="1800" spc="-1" strike="noStrike">
-              <a:solidFill>
-                <a:srgbClr val="000000"/>
-              </a:solidFill>
-              <a:uFill>
-                <a:solidFill>
-                  <a:srgbClr val="ffffff"/>
-                </a:solidFill>
-              </a:uFill>
-              <a:latin typeface="Calibri"/>
-            </a:endParaRPr>
-          </a:p>
-        </p:txBody>
-      </p:sp>
-      <p:sp>
-        <p:nvSpPr>
-          <p:cNvPr id="19" name="PlaceHolder 2"/>
+            <a:pPr algn="ctr"/>
+            <a:endParaRPr b="0" lang="en-US" sz="4400" spc="-1" strike="noStrike">
+              <a:solidFill>
+                <a:srgbClr val="000000"/>
+              </a:solidFill>
+              <a:uFill>
+                <a:solidFill>
+                  <a:srgbClr val="ffffff"/>
+                </a:solidFill>
+              </a:uFill>
+              <a:latin typeface="Arial"/>
+            </a:endParaRPr>
+          </a:p>
+        </p:txBody>
+      </p:sp>
+      <p:sp>
+        <p:nvSpPr>
+          <p:cNvPr id="16" name="PlaceHolder 2"/>
           <p:cNvSpPr>
             <a:spLocks noGrp="1"/>
           </p:cNvSpPr>
@@ -2691,23 +2710,23 @@
         <p:txBody>
           <a:bodyPr lIns="0" rIns="0" tIns="0" bIns="0"/>
           <a:p>
-            <a:endParaRPr b="0" lang="en-US" sz="2800" spc="-1" strike="noStrike">
-              <a:solidFill>
-                <a:srgbClr val="000000"/>
-              </a:solidFill>
-              <a:uFill>
-                <a:solidFill>
-                  <a:srgbClr val="ffffff"/>
-                </a:solidFill>
-              </a:uFill>
-              <a:latin typeface="Calibri"/>
-            </a:endParaRPr>
-          </a:p>
-        </p:txBody>
-      </p:sp>
-      <p:sp>
-        <p:nvSpPr>
-          <p:cNvPr id="20" name="PlaceHolder 3"/>
+            <a:endParaRPr b="0" lang="en-US" sz="3200" spc="-1" strike="noStrike">
+              <a:solidFill>
+                <a:srgbClr val="000000"/>
+              </a:solidFill>
+              <a:uFill>
+                <a:solidFill>
+                  <a:srgbClr val="ffffff"/>
+                </a:solidFill>
+              </a:uFill>
+              <a:latin typeface="Arial"/>
+            </a:endParaRPr>
+          </a:p>
+        </p:txBody>
+      </p:sp>
+      <p:sp>
+        <p:nvSpPr>
+          <p:cNvPr id="17" name="PlaceHolder 3"/>
           <p:cNvSpPr>
             <a:spLocks noGrp="1"/>
           </p:cNvSpPr>
@@ -2727,23 +2746,23 @@
         <p:txBody>
           <a:bodyPr lIns="0" rIns="0" tIns="0" bIns="0"/>
           <a:p>
-            <a:endParaRPr b="0" lang="en-US" sz="2800" spc="-1" strike="noStrike">
-              <a:solidFill>
-                <a:srgbClr val="000000"/>
-              </a:solidFill>
-              <a:uFill>
-                <a:solidFill>
-                  <a:srgbClr val="ffffff"/>
-                </a:solidFill>
-              </a:uFill>
-              <a:latin typeface="Calibri"/>
-            </a:endParaRPr>
-          </a:p>
-        </p:txBody>
-      </p:sp>
-      <p:sp>
-        <p:nvSpPr>
-          <p:cNvPr id="21" name="PlaceHolder 4"/>
+            <a:endParaRPr b="0" lang="en-US" sz="3200" spc="-1" strike="noStrike">
+              <a:solidFill>
+                <a:srgbClr val="000000"/>
+              </a:solidFill>
+              <a:uFill>
+                <a:solidFill>
+                  <a:srgbClr val="ffffff"/>
+                </a:solidFill>
+              </a:uFill>
+              <a:latin typeface="Arial"/>
+            </a:endParaRPr>
+          </a:p>
+        </p:txBody>
+      </p:sp>
+      <p:sp>
+        <p:nvSpPr>
+          <p:cNvPr id="18" name="PlaceHolder 4"/>
           <p:cNvSpPr>
             <a:spLocks noGrp="1"/>
           </p:cNvSpPr>
@@ -2763,16 +2782,16 @@
         <p:txBody>
           <a:bodyPr lIns="0" rIns="0" tIns="0" bIns="0"/>
           <a:p>
-            <a:endParaRPr b="0" lang="en-US" sz="2800" spc="-1" strike="noStrike">
-              <a:solidFill>
-                <a:srgbClr val="000000"/>
-              </a:solidFill>
-              <a:uFill>
-                <a:solidFill>
-                  <a:srgbClr val="ffffff"/>
-                </a:solidFill>
-              </a:uFill>
-              <a:latin typeface="Calibri"/>
+            <a:endParaRPr b="0" lang="en-US" sz="3200" spc="-1" strike="noStrike">
+              <a:solidFill>
+                <a:srgbClr val="000000"/>
+              </a:solidFill>
+              <a:uFill>
+                <a:solidFill>
+                  <a:srgbClr val="ffffff"/>
+                </a:solidFill>
+              </a:uFill>
+              <a:latin typeface="Arial"/>
             </a:endParaRPr>
           </a:p>
         </p:txBody>
@@ -2801,7 +2820,7 @@
       </p:grpSpPr>
       <p:sp>
         <p:nvSpPr>
-          <p:cNvPr id="22" name="PlaceHolder 1"/>
+          <p:cNvPr id="19" name="PlaceHolder 1"/>
           <p:cNvSpPr>
             <a:spLocks noGrp="1"/>
           </p:cNvSpPr>
@@ -2821,23 +2840,24 @@
         <p:txBody>
           <a:bodyPr lIns="0" rIns="0" tIns="0" bIns="0" anchor="ctr"/>
           <a:p>
-            <a:endParaRPr b="0" lang="en-US" sz="1800" spc="-1" strike="noStrike">
-              <a:solidFill>
-                <a:srgbClr val="000000"/>
-              </a:solidFill>
-              <a:uFill>
-                <a:solidFill>
-                  <a:srgbClr val="ffffff"/>
-                </a:solidFill>
-              </a:uFill>
-              <a:latin typeface="Calibri"/>
-            </a:endParaRPr>
-          </a:p>
-        </p:txBody>
-      </p:sp>
-      <p:sp>
-        <p:nvSpPr>
-          <p:cNvPr id="23" name="PlaceHolder 2"/>
+            <a:pPr algn="ctr"/>
+            <a:endParaRPr b="0" lang="en-US" sz="4400" spc="-1" strike="noStrike">
+              <a:solidFill>
+                <a:srgbClr val="000000"/>
+              </a:solidFill>
+              <a:uFill>
+                <a:solidFill>
+                  <a:srgbClr val="ffffff"/>
+                </a:solidFill>
+              </a:uFill>
+              <a:latin typeface="Arial"/>
+            </a:endParaRPr>
+          </a:p>
+        </p:txBody>
+      </p:sp>
+      <p:sp>
+        <p:nvSpPr>
+          <p:cNvPr id="20" name="PlaceHolder 2"/>
           <p:cNvSpPr>
             <a:spLocks noGrp="1"/>
           </p:cNvSpPr>
@@ -2857,23 +2877,23 @@
         <p:txBody>
           <a:bodyPr lIns="0" rIns="0" tIns="0" bIns="0"/>
           <a:p>
-            <a:endParaRPr b="0" lang="en-US" sz="2800" spc="-1" strike="noStrike">
-              <a:solidFill>
-                <a:srgbClr val="000000"/>
-              </a:solidFill>
-              <a:uFill>
-                <a:solidFill>
-                  <a:srgbClr val="ffffff"/>
-                </a:solidFill>
-              </a:uFill>
-              <a:latin typeface="Calibri"/>
-            </a:endParaRPr>
-          </a:p>
-        </p:txBody>
-      </p:sp>
-      <p:sp>
-        <p:nvSpPr>
-          <p:cNvPr id="24" name="PlaceHolder 3"/>
+            <a:endParaRPr b="0" lang="en-US" sz="3200" spc="-1" strike="noStrike">
+              <a:solidFill>
+                <a:srgbClr val="000000"/>
+              </a:solidFill>
+              <a:uFill>
+                <a:solidFill>
+                  <a:srgbClr val="ffffff"/>
+                </a:solidFill>
+              </a:uFill>
+              <a:latin typeface="Arial"/>
+            </a:endParaRPr>
+          </a:p>
+        </p:txBody>
+      </p:sp>
+      <p:sp>
+        <p:nvSpPr>
+          <p:cNvPr id="21" name="PlaceHolder 3"/>
           <p:cNvSpPr>
             <a:spLocks noGrp="1"/>
           </p:cNvSpPr>
@@ -2893,23 +2913,23 @@
         <p:txBody>
           <a:bodyPr lIns="0" rIns="0" tIns="0" bIns="0"/>
           <a:p>
-            <a:endParaRPr b="0" lang="en-US" sz="2800" spc="-1" strike="noStrike">
-              <a:solidFill>
-                <a:srgbClr val="000000"/>
-              </a:solidFill>
-              <a:uFill>
-                <a:solidFill>
-                  <a:srgbClr val="ffffff"/>
-                </a:solidFill>
-              </a:uFill>
-              <a:latin typeface="Calibri"/>
-            </a:endParaRPr>
-          </a:p>
-        </p:txBody>
-      </p:sp>
-      <p:sp>
-        <p:nvSpPr>
-          <p:cNvPr id="25" name="PlaceHolder 4"/>
+            <a:endParaRPr b="0" lang="en-US" sz="3200" spc="-1" strike="noStrike">
+              <a:solidFill>
+                <a:srgbClr val="000000"/>
+              </a:solidFill>
+              <a:uFill>
+                <a:solidFill>
+                  <a:srgbClr val="ffffff"/>
+                </a:solidFill>
+              </a:uFill>
+              <a:latin typeface="Arial"/>
+            </a:endParaRPr>
+          </a:p>
+        </p:txBody>
+      </p:sp>
+      <p:sp>
+        <p:nvSpPr>
+          <p:cNvPr id="22" name="PlaceHolder 4"/>
           <p:cNvSpPr>
             <a:spLocks noGrp="1"/>
           </p:cNvSpPr>
@@ -2929,16 +2949,16 @@
         <p:txBody>
           <a:bodyPr lIns="0" rIns="0" tIns="0" bIns="0"/>
           <a:p>
-            <a:endParaRPr b="0" lang="en-US" sz="2800" spc="-1" strike="noStrike">
-              <a:solidFill>
-                <a:srgbClr val="000000"/>
-              </a:solidFill>
-              <a:uFill>
-                <a:solidFill>
-                  <a:srgbClr val="ffffff"/>
-                </a:solidFill>
-              </a:uFill>
-              <a:latin typeface="Calibri"/>
+            <a:endParaRPr b="0" lang="en-US" sz="3200" spc="-1" strike="noStrike">
+              <a:solidFill>
+                <a:srgbClr val="000000"/>
+              </a:solidFill>
+              <a:uFill>
+                <a:solidFill>
+                  <a:srgbClr val="ffffff"/>
+                </a:solidFill>
+              </a:uFill>
+              <a:latin typeface="Arial"/>
             </a:endParaRPr>
           </a:p>
         </p:txBody>
@@ -2984,21 +3004,17 @@
         </p:nvSpPr>
         <p:spPr>
           <a:xfrm>
-            <a:off x="838080" y="365040"/>
-            <a:ext cx="10515240" cy="1325160"/>
-          </a:xfrm>
-          <a:prstGeom prst="rect">
-            <a:avLst/>
-          </a:prstGeom>
-        </p:spPr>
-        <p:txBody>
-          <a:bodyPr anchor="ctr"/>
-          <a:p>
-            <a:pPr>
-              <a:lnSpc>
-                <a:spcPct val="90000"/>
-              </a:lnSpc>
-            </a:pPr>
+            <a:off x="609480" y="273600"/>
+            <a:ext cx="10972440" cy="1144800"/>
+          </a:xfrm>
+          <a:prstGeom prst="rect">
+            <a:avLst/>
+          </a:prstGeom>
+        </p:spPr>
+        <p:txBody>
+          <a:bodyPr lIns="0" rIns="0" tIns="0" bIns="0" anchor="ctr"/>
+          <a:p>
+            <a:pPr algn="ctr"/>
             <a:r>
               <a:rPr b="0" lang="en-US" sz="4400" spc="-1" strike="noStrike">
                 <a:solidFill>
@@ -3009,20 +3025,20 @@
                     <a:srgbClr val="ffffff"/>
                   </a:solidFill>
                 </a:uFill>
-                <a:latin typeface="Calibri Light"/>
-              </a:rPr>
-              <a:t>Click to edit Master title style</a:t>
-            </a:r>
-            <a:endParaRPr b="0" lang="en-US" sz="1800" spc="-1" strike="noStrike">
-              <a:solidFill>
-                <a:srgbClr val="000000"/>
-              </a:solidFill>
-              <a:uFill>
-                <a:solidFill>
-                  <a:srgbClr val="ffffff"/>
-                </a:solidFill>
-              </a:uFill>
-              <a:latin typeface="Calibri"/>
+                <a:latin typeface="Arial"/>
+              </a:rPr>
+              <a:t>Click to edit the title text format</a:t>
+            </a:r>
+            <a:endParaRPr b="0" lang="en-US" sz="4400" spc="-1" strike="noStrike">
+              <a:solidFill>
+                <a:srgbClr val="000000"/>
+              </a:solidFill>
+              <a:uFill>
+                <a:solidFill>
+                  <a:srgbClr val="ffffff"/>
+                </a:solidFill>
+              </a:uFill>
+              <a:latin typeface="Arial"/>
             </a:endParaRPr>
           </a:p>
         </p:txBody>
@@ -3039,15 +3055,15 @@
         </p:nvSpPr>
         <p:spPr>
           <a:xfrm>
-            <a:off x="838080" y="1825560"/>
-            <a:ext cx="10515240" cy="4350960"/>
-          </a:xfrm>
-          <a:prstGeom prst="rect">
-            <a:avLst/>
-          </a:prstGeom>
-        </p:spPr>
-        <p:txBody>
-          <a:bodyPr/>
+            <a:off x="609480" y="1604520"/>
+            <a:ext cx="10972440" cy="3977280"/>
+          </a:xfrm>
+          <a:prstGeom prst="rect">
+            <a:avLst/>
+          </a:prstGeom>
+        </p:spPr>
+        <p:txBody>
+          <a:bodyPr lIns="0" rIns="0" tIns="0" bIns="0"/>
           <a:p>
             <a:pPr marL="432000" indent="-324000">
               <a:buClr>
@@ -3058,7 +3074,7 @@
               <a:buChar char=""/>
             </a:pPr>
             <a:r>
-              <a:rPr b="0" lang="en-US" sz="2800" spc="-1" strike="noStrike">
+              <a:rPr b="0" lang="en-US" sz="3200" spc="-1" strike="noStrike">
                 <a:solidFill>
                   <a:srgbClr val="000000"/>
                 </a:solidFill>
@@ -3067,20 +3083,20 @@
                     <a:srgbClr val="ffffff"/>
                   </a:solidFill>
                 </a:uFill>
-                <a:latin typeface="Calibri"/>
+                <a:latin typeface="Arial"/>
               </a:rPr>
               <a:t>Click to edit the outline text format</a:t>
             </a:r>
-            <a:endParaRPr b="0" lang="en-US" sz="2800" spc="-1" strike="noStrike">
-              <a:solidFill>
-                <a:srgbClr val="000000"/>
-              </a:solidFill>
-              <a:uFill>
-                <a:solidFill>
-                  <a:srgbClr val="ffffff"/>
-                </a:solidFill>
-              </a:uFill>
-              <a:latin typeface="Calibri"/>
+            <a:endParaRPr b="0" lang="en-US" sz="3200" spc="-1" strike="noStrike">
+              <a:solidFill>
+                <a:srgbClr val="000000"/>
+              </a:solidFill>
+              <a:uFill>
+                <a:solidFill>
+                  <a:srgbClr val="ffffff"/>
+                </a:solidFill>
+              </a:uFill>
+              <a:latin typeface="Arial"/>
             </a:endParaRPr>
           </a:p>
           <a:p>
@@ -3102,7 +3118,7 @@
                     <a:srgbClr val="ffffff"/>
                   </a:solidFill>
                 </a:uFill>
-                <a:latin typeface="Calibri"/>
+                <a:latin typeface="Arial"/>
               </a:rPr>
               <a:t>Second Outline Level</a:t>
             </a:r>
@@ -3115,7 +3131,7 @@
                   <a:srgbClr val="ffffff"/>
                 </a:solidFill>
               </a:uFill>
-              <a:latin typeface="Calibri"/>
+              <a:latin typeface="Arial"/>
             </a:endParaRPr>
           </a:p>
           <a:p>
@@ -3128,7 +3144,7 @@
               <a:buChar char=""/>
             </a:pPr>
             <a:r>
-              <a:rPr b="0" lang="en-US" sz="2800" spc="-1" strike="noStrike">
+              <a:rPr b="0" lang="en-US" sz="2400" spc="-1" strike="noStrike">
                 <a:solidFill>
                   <a:srgbClr val="000000"/>
                 </a:solidFill>
@@ -3137,20 +3153,20 @@
                     <a:srgbClr val="ffffff"/>
                   </a:solidFill>
                 </a:uFill>
-                <a:latin typeface="Calibri"/>
+                <a:latin typeface="Arial"/>
               </a:rPr>
               <a:t>Third Outline Level</a:t>
             </a:r>
-            <a:endParaRPr b="0" lang="en-US" sz="2800" spc="-1" strike="noStrike">
-              <a:solidFill>
-                <a:srgbClr val="000000"/>
-              </a:solidFill>
-              <a:uFill>
-                <a:solidFill>
-                  <a:srgbClr val="ffffff"/>
-                </a:solidFill>
-              </a:uFill>
-              <a:latin typeface="Calibri"/>
+            <a:endParaRPr b="0" lang="en-US" sz="2400" spc="-1" strike="noStrike">
+              <a:solidFill>
+                <a:srgbClr val="000000"/>
+              </a:solidFill>
+              <a:uFill>
+                <a:solidFill>
+                  <a:srgbClr val="ffffff"/>
+                </a:solidFill>
+              </a:uFill>
+              <a:latin typeface="Arial"/>
             </a:endParaRPr>
           </a:p>
           <a:p>
@@ -3163,7 +3179,7 @@
               <a:buChar char=""/>
             </a:pPr>
             <a:r>
-              <a:rPr b="0" lang="en-US" sz="2800" spc="-1" strike="noStrike">
+              <a:rPr b="0" lang="en-US" sz="2000" spc="-1" strike="noStrike">
                 <a:solidFill>
                   <a:srgbClr val="000000"/>
                 </a:solidFill>
@@ -3172,20 +3188,20 @@
                     <a:srgbClr val="ffffff"/>
                   </a:solidFill>
                 </a:uFill>
-                <a:latin typeface="Calibri"/>
+                <a:latin typeface="Arial"/>
               </a:rPr>
               <a:t>Fourth Outline Level</a:t>
             </a:r>
-            <a:endParaRPr b="0" lang="en-US" sz="2800" spc="-1" strike="noStrike">
-              <a:solidFill>
-                <a:srgbClr val="000000"/>
-              </a:solidFill>
-              <a:uFill>
-                <a:solidFill>
-                  <a:srgbClr val="ffffff"/>
-                </a:solidFill>
-              </a:uFill>
-              <a:latin typeface="Calibri"/>
+            <a:endParaRPr b="0" lang="en-US" sz="2000" spc="-1" strike="noStrike">
+              <a:solidFill>
+                <a:srgbClr val="000000"/>
+              </a:solidFill>
+              <a:uFill>
+                <a:solidFill>
+                  <a:srgbClr val="ffffff"/>
+                </a:solidFill>
+              </a:uFill>
+              <a:latin typeface="Arial"/>
             </a:endParaRPr>
           </a:p>
           <a:p>
@@ -3198,7 +3214,7 @@
               <a:buChar char=""/>
             </a:pPr>
             <a:r>
-              <a:rPr b="0" lang="en-US" sz="2800" spc="-1" strike="noStrike">
+              <a:rPr b="0" lang="en-US" sz="2000" spc="-1" strike="noStrike">
                 <a:solidFill>
                   <a:srgbClr val="000000"/>
                 </a:solidFill>
@@ -3207,20 +3223,20 @@
                     <a:srgbClr val="ffffff"/>
                   </a:solidFill>
                 </a:uFill>
-                <a:latin typeface="Calibri"/>
+                <a:latin typeface="Arial"/>
               </a:rPr>
               <a:t>Fifth Outline Level</a:t>
             </a:r>
-            <a:endParaRPr b="0" lang="en-US" sz="2800" spc="-1" strike="noStrike">
-              <a:solidFill>
-                <a:srgbClr val="000000"/>
-              </a:solidFill>
-              <a:uFill>
-                <a:solidFill>
-                  <a:srgbClr val="ffffff"/>
-                </a:solidFill>
-              </a:uFill>
-              <a:latin typeface="Calibri"/>
+            <a:endParaRPr b="0" lang="en-US" sz="2000" spc="-1" strike="noStrike">
+              <a:solidFill>
+                <a:srgbClr val="000000"/>
+              </a:solidFill>
+              <a:uFill>
+                <a:solidFill>
+                  <a:srgbClr val="ffffff"/>
+                </a:solidFill>
+              </a:uFill>
+              <a:latin typeface="Arial"/>
             </a:endParaRPr>
           </a:p>
           <a:p>
@@ -3233,7 +3249,7 @@
               <a:buChar char=""/>
             </a:pPr>
             <a:r>
-              <a:rPr b="0" lang="en-US" sz="2800" spc="-1" strike="noStrike">
+              <a:rPr b="0" lang="en-US" sz="2000" spc="-1" strike="noStrike">
                 <a:solidFill>
                   <a:srgbClr val="000000"/>
                 </a:solidFill>
@@ -3242,35 +3258,33 @@
                     <a:srgbClr val="ffffff"/>
                   </a:solidFill>
                 </a:uFill>
-                <a:latin typeface="Calibri"/>
+                <a:latin typeface="Arial"/>
               </a:rPr>
               <a:t>Sixth Outline Level</a:t>
             </a:r>
-            <a:endParaRPr b="0" lang="en-US" sz="2800" spc="-1" strike="noStrike">
-              <a:solidFill>
-                <a:srgbClr val="000000"/>
-              </a:solidFill>
-              <a:uFill>
-                <a:solidFill>
-                  <a:srgbClr val="ffffff"/>
-                </a:solidFill>
-              </a:uFill>
-              <a:latin typeface="Calibri"/>
-            </a:endParaRPr>
-          </a:p>
-          <a:p>
-            <a:pPr marL="228600" indent="-228240">
-              <a:lnSpc>
-                <a:spcPct val="100000"/>
-              </a:lnSpc>
+            <a:endParaRPr b="0" lang="en-US" sz="2000" spc="-1" strike="noStrike">
+              <a:solidFill>
+                <a:srgbClr val="000000"/>
+              </a:solidFill>
+              <a:uFill>
+                <a:solidFill>
+                  <a:srgbClr val="ffffff"/>
+                </a:solidFill>
+              </a:uFill>
+              <a:latin typeface="Arial"/>
+            </a:endParaRPr>
+          </a:p>
+          <a:p>
+            <a:pPr lvl="6" marL="3024000" indent="-216000">
               <a:buClr>
                 <a:srgbClr val="000000"/>
               </a:buClr>
-              <a:buFont typeface="Arial"/>
-              <a:buChar char="•"/>
-            </a:pPr>
-            <a:r>
-              <a:rPr b="0" lang="en-US" sz="2800" spc="-1" strike="noStrike">
+              <a:buSzPct val="45000"/>
+              <a:buFont typeface="Wingdings" charset="2"/>
+              <a:buChar char=""/>
+            </a:pPr>
+            <a:r>
+              <a:rPr b="0" lang="en-US" sz="2000" spc="-1" strike="noStrike">
                 <a:solidFill>
                   <a:srgbClr val="000000"/>
                 </a:solidFill>
@@ -3279,314 +3293,20 @@
                     <a:srgbClr val="ffffff"/>
                   </a:solidFill>
                 </a:uFill>
-                <a:latin typeface="Calibri"/>
-              </a:rPr>
-              <a:t>Seventh Outline LevelEdit Master text styles</a:t>
-            </a:r>
-            <a:endParaRPr b="0" lang="en-US" sz="2800" spc="-1" strike="noStrike">
-              <a:solidFill>
-                <a:srgbClr val="000000"/>
-              </a:solidFill>
-              <a:uFill>
-                <a:solidFill>
-                  <a:srgbClr val="ffffff"/>
-                </a:solidFill>
-              </a:uFill>
-              <a:latin typeface="Calibri"/>
-            </a:endParaRPr>
-          </a:p>
-          <a:p>
-            <a:pPr lvl="1" marL="685800" indent="-228240">
-              <a:lnSpc>
-                <a:spcPct val="100000"/>
-              </a:lnSpc>
-              <a:buClr>
-                <a:srgbClr val="000000"/>
-              </a:buClr>
-              <a:buFont typeface="Arial"/>
-              <a:buChar char="•"/>
-            </a:pPr>
-            <a:r>
-              <a:rPr b="0" lang="en-US" sz="2400" spc="-1" strike="noStrike">
-                <a:solidFill>
-                  <a:srgbClr val="000000"/>
-                </a:solidFill>
-                <a:uFill>
-                  <a:solidFill>
-                    <a:srgbClr val="ffffff"/>
-                  </a:solidFill>
-                </a:uFill>
-                <a:latin typeface="Calibri"/>
-              </a:rPr>
-              <a:t>Second level</a:t>
-            </a:r>
-            <a:endParaRPr b="0" lang="en-US" sz="2800" spc="-1" strike="noStrike">
-              <a:solidFill>
-                <a:srgbClr val="000000"/>
-              </a:solidFill>
-              <a:uFill>
-                <a:solidFill>
-                  <a:srgbClr val="ffffff"/>
-                </a:solidFill>
-              </a:uFill>
-              <a:latin typeface="Calibri"/>
-            </a:endParaRPr>
-          </a:p>
-          <a:p>
-            <a:pPr lvl="2" marL="1143000" indent="-228240">
-              <a:lnSpc>
-                <a:spcPct val="100000"/>
-              </a:lnSpc>
-              <a:buClr>
-                <a:srgbClr val="000000"/>
-              </a:buClr>
-              <a:buFont typeface="Arial"/>
-              <a:buChar char="•"/>
-            </a:pPr>
-            <a:r>
-              <a:rPr b="0" lang="en-US" sz="2000" spc="-1" strike="noStrike">
-                <a:solidFill>
-                  <a:srgbClr val="000000"/>
-                </a:solidFill>
-                <a:uFill>
-                  <a:solidFill>
-                    <a:srgbClr val="ffffff"/>
-                  </a:solidFill>
-                </a:uFill>
-                <a:latin typeface="Calibri"/>
-              </a:rPr>
-              <a:t>Third level</a:t>
-            </a:r>
-            <a:endParaRPr b="0" lang="en-US" sz="2800" spc="-1" strike="noStrike">
-              <a:solidFill>
-                <a:srgbClr val="000000"/>
-              </a:solidFill>
-              <a:uFill>
-                <a:solidFill>
-                  <a:srgbClr val="ffffff"/>
-                </a:solidFill>
-              </a:uFill>
-              <a:latin typeface="Calibri"/>
-            </a:endParaRPr>
-          </a:p>
-          <a:p>
-            <a:pPr lvl="3" marL="1600200" indent="-228240">
-              <a:lnSpc>
-                <a:spcPct val="100000"/>
-              </a:lnSpc>
-              <a:buClr>
-                <a:srgbClr val="000000"/>
-              </a:buClr>
-              <a:buFont typeface="Arial"/>
-              <a:buChar char="•"/>
-            </a:pPr>
-            <a:r>
-              <a:rPr b="0" lang="en-US" sz="1800" spc="-1" strike="noStrike">
-                <a:solidFill>
-                  <a:srgbClr val="000000"/>
-                </a:solidFill>
-                <a:uFill>
-                  <a:solidFill>
-                    <a:srgbClr val="ffffff"/>
-                  </a:solidFill>
-                </a:uFill>
-                <a:latin typeface="Calibri"/>
-              </a:rPr>
-              <a:t>Fourth level</a:t>
-            </a:r>
-            <a:endParaRPr b="0" lang="en-US" sz="2800" spc="-1" strike="noStrike">
-              <a:solidFill>
-                <a:srgbClr val="000000"/>
-              </a:solidFill>
-              <a:uFill>
-                <a:solidFill>
-                  <a:srgbClr val="ffffff"/>
-                </a:solidFill>
-              </a:uFill>
-              <a:latin typeface="Calibri"/>
-            </a:endParaRPr>
-          </a:p>
-          <a:p>
-            <a:pPr lvl="4" marL="2057400" indent="-228240">
-              <a:lnSpc>
-                <a:spcPct val="100000"/>
-              </a:lnSpc>
-              <a:buClr>
-                <a:srgbClr val="000000"/>
-              </a:buClr>
-              <a:buFont typeface="Arial"/>
-              <a:buChar char="•"/>
-            </a:pPr>
-            <a:r>
-              <a:rPr b="0" lang="en-US" sz="1800" spc="-1" strike="noStrike">
-                <a:solidFill>
-                  <a:srgbClr val="000000"/>
-                </a:solidFill>
-                <a:uFill>
-                  <a:solidFill>
-                    <a:srgbClr val="ffffff"/>
-                  </a:solidFill>
-                </a:uFill>
-                <a:latin typeface="Calibri"/>
-              </a:rPr>
-              <a:t>Fifth level</a:t>
-            </a:r>
-            <a:endParaRPr b="0" lang="en-US" sz="2800" spc="-1" strike="noStrike">
-              <a:solidFill>
-                <a:srgbClr val="000000"/>
-              </a:solidFill>
-              <a:uFill>
-                <a:solidFill>
-                  <a:srgbClr val="ffffff"/>
-                </a:solidFill>
-              </a:uFill>
-              <a:latin typeface="Calibri"/>
-            </a:endParaRPr>
-          </a:p>
-        </p:txBody>
-      </p:sp>
-      <p:sp>
-        <p:nvSpPr>
-          <p:cNvPr id="2" name="PlaceHolder 3"/>
-          <p:cNvSpPr>
-            <a:spLocks noGrp="1"/>
-          </p:cNvSpPr>
-          <p:nvPr>
-            <p:ph type="dt"/>
-          </p:nvPr>
-        </p:nvSpPr>
-        <p:spPr>
-          <a:xfrm>
-            <a:off x="838080" y="6356520"/>
-            <a:ext cx="2742840" cy="364680"/>
-          </a:xfrm>
-          <a:prstGeom prst="rect">
-            <a:avLst/>
-          </a:prstGeom>
-        </p:spPr>
-        <p:txBody>
-          <a:bodyPr anchor="ctr"/>
-          <a:p>
-            <a:pPr>
-              <a:lnSpc>
-                <a:spcPct val="100000"/>
-              </a:lnSpc>
-            </a:pPr>
-            <a:r>
-              <a:rPr b="0" lang="en-US" sz="1200" spc="-1" strike="noStrike">
-                <a:solidFill>
-                  <a:srgbClr val="8b8b8b"/>
-                </a:solidFill>
-                <a:uFill>
-                  <a:solidFill>
-                    <a:srgbClr val="ffffff"/>
-                  </a:solidFill>
-                </a:uFill>
-                <a:latin typeface="Calibri"/>
-              </a:rPr>
-              <a:t>11/17/18</a:t>
-            </a:r>
-            <a:endParaRPr b="0" lang="en-US" sz="1400" spc="-1" strike="noStrike">
-              <a:solidFill>
-                <a:srgbClr val="000000"/>
-              </a:solidFill>
-              <a:uFill>
-                <a:solidFill>
-                  <a:srgbClr val="ffffff"/>
-                </a:solidFill>
-              </a:uFill>
-              <a:latin typeface="Times New Roman"/>
-            </a:endParaRPr>
-          </a:p>
-        </p:txBody>
-      </p:sp>
-      <p:sp>
-        <p:nvSpPr>
-          <p:cNvPr id="3" name="PlaceHolder 4"/>
-          <p:cNvSpPr>
-            <a:spLocks noGrp="1"/>
-          </p:cNvSpPr>
-          <p:nvPr>
-            <p:ph type="ftr"/>
-          </p:nvPr>
-        </p:nvSpPr>
-        <p:spPr>
-          <a:xfrm>
-            <a:off x="4038480" y="6356520"/>
-            <a:ext cx="4114440" cy="364680"/>
-          </a:xfrm>
-          <a:prstGeom prst="rect">
-            <a:avLst/>
-          </a:prstGeom>
-        </p:spPr>
-        <p:txBody>
-          <a:bodyPr anchor="ctr"/>
-          <a:p>
-            <a:endParaRPr b="0" lang="en-US" sz="2400" spc="-1" strike="noStrike">
-              <a:solidFill>
-                <a:srgbClr val="000000"/>
-              </a:solidFill>
-              <a:uFill>
-                <a:solidFill>
-                  <a:srgbClr val="ffffff"/>
-                </a:solidFill>
-              </a:uFill>
-              <a:latin typeface="Times New Roman"/>
-            </a:endParaRPr>
-          </a:p>
-        </p:txBody>
-      </p:sp>
-      <p:sp>
-        <p:nvSpPr>
-          <p:cNvPr id="4" name="PlaceHolder 5"/>
-          <p:cNvSpPr>
-            <a:spLocks noGrp="1"/>
-          </p:cNvSpPr>
-          <p:nvPr>
-            <p:ph type="sldNum"/>
-          </p:nvPr>
-        </p:nvSpPr>
-        <p:spPr>
-          <a:xfrm>
-            <a:off x="8610480" y="6356520"/>
-            <a:ext cx="2742840" cy="364680"/>
-          </a:xfrm>
-          <a:prstGeom prst="rect">
-            <a:avLst/>
-          </a:prstGeom>
-        </p:spPr>
-        <p:txBody>
-          <a:bodyPr anchor="ctr"/>
-          <a:p>
-            <a:pPr algn="r">
-              <a:lnSpc>
-                <a:spcPct val="100000"/>
-              </a:lnSpc>
-            </a:pPr>
-            <a:fld id="{01E63BB0-0CC3-4585-826D-84BC1C35DBB9}" type="slidenum">
-              <a:rPr b="0" lang="en-US" sz="1200" spc="-1" strike="noStrike">
-                <a:solidFill>
-                  <a:srgbClr val="8b8b8b"/>
-                </a:solidFill>
-                <a:uFill>
-                  <a:solidFill>
-                    <a:srgbClr val="ffffff"/>
-                  </a:solidFill>
-                </a:uFill>
-                <a:latin typeface="Calibri"/>
-              </a:rPr>
-              <a:t>&lt;number&gt;</a:t>
-            </a:fld>
-            <a:endParaRPr b="0" lang="en-US" sz="1400" spc="-1" strike="noStrike">
-              <a:solidFill>
-                <a:srgbClr val="000000"/>
-              </a:solidFill>
-              <a:uFill>
-                <a:solidFill>
-                  <a:srgbClr val="ffffff"/>
-                </a:solidFill>
-              </a:uFill>
-              <a:latin typeface="Times New Roman"/>
+                <a:latin typeface="Arial"/>
+              </a:rPr>
+              <a:t>Seventh Outline Level</a:t>
+            </a:r>
+            <a:endParaRPr b="0" lang="en-US" sz="2000" spc="-1" strike="noStrike">
+              <a:solidFill>
+                <a:srgbClr val="000000"/>
+              </a:solidFill>
+              <a:uFill>
+                <a:solidFill>
+                  <a:srgbClr val="ffffff"/>
+                </a:solidFill>
+              </a:uFill>
+              <a:latin typeface="Arial"/>
             </a:endParaRPr>
           </a:p>
         </p:txBody>
@@ -3637,153 +3357,7 @@
       </p:grpSpPr>
       <p:sp>
         <p:nvSpPr>
-          <p:cNvPr id="39" name="PlaceHolder 1"/>
-          <p:cNvSpPr>
-            <a:spLocks noGrp="1"/>
-          </p:cNvSpPr>
-          <p:nvPr>
-            <p:ph type="dt"/>
-          </p:nvPr>
-        </p:nvSpPr>
-        <p:spPr>
-          <a:xfrm>
-            <a:off x="838080" y="6356520"/>
-            <a:ext cx="2742840" cy="364680"/>
-          </a:xfrm>
-          <a:prstGeom prst="rect">
-            <a:avLst/>
-          </a:prstGeom>
-        </p:spPr>
-        <p:txBody>
-          <a:bodyPr anchor="ctr"/>
-          <a:p>
-            <a:pPr>
-              <a:lnSpc>
-                <a:spcPct val="100000"/>
-              </a:lnSpc>
-            </a:pPr>
-            <a:r>
-              <a:rPr b="0" lang="en-US" sz="1200" spc="-1" strike="noStrike">
-                <a:solidFill>
-                  <a:srgbClr val="8b8b8b"/>
-                </a:solidFill>
-                <a:uFill>
-                  <a:solidFill>
-                    <a:srgbClr val="ffffff"/>
-                  </a:solidFill>
-                </a:uFill>
-                <a:latin typeface="Calibri"/>
-              </a:rPr>
-              <a:t>11/17/18</a:t>
-            </a:r>
-            <a:endParaRPr b="0" lang="en-US" sz="1400" spc="-1" strike="noStrike">
-              <a:solidFill>
-                <a:srgbClr val="000000"/>
-              </a:solidFill>
-              <a:uFill>
-                <a:solidFill>
-                  <a:srgbClr val="ffffff"/>
-                </a:solidFill>
-              </a:uFill>
-              <a:latin typeface="Times New Roman"/>
-            </a:endParaRPr>
-          </a:p>
-        </p:txBody>
-      </p:sp>
-      <p:sp>
-        <p:nvSpPr>
-          <p:cNvPr id="40" name="PlaceHolder 2"/>
-          <p:cNvSpPr>
-            <a:spLocks noGrp="1"/>
-          </p:cNvSpPr>
-          <p:nvPr>
-            <p:ph type="ftr"/>
-          </p:nvPr>
-        </p:nvSpPr>
-        <p:spPr>
-          <a:xfrm>
-            <a:off x="4038480" y="6356520"/>
-            <a:ext cx="4114440" cy="364680"/>
-          </a:xfrm>
-          <a:prstGeom prst="rect">
-            <a:avLst/>
-          </a:prstGeom>
-        </p:spPr>
-        <p:txBody>
-          <a:bodyPr anchor="ctr"/>
-          <a:p>
-            <a:endParaRPr b="0" lang="en-US" sz="2400" spc="-1" strike="noStrike">
-              <a:solidFill>
-                <a:srgbClr val="000000"/>
-              </a:solidFill>
-              <a:uFill>
-                <a:solidFill>
-                  <a:srgbClr val="ffffff"/>
-                </a:solidFill>
-              </a:uFill>
-              <a:latin typeface="Times New Roman"/>
-            </a:endParaRPr>
-          </a:p>
-        </p:txBody>
-      </p:sp>
-      <p:sp>
-        <p:nvSpPr>
-          <p:cNvPr id="41" name="PlaceHolder 3"/>
-          <p:cNvSpPr>
-            <a:spLocks noGrp="1"/>
-          </p:cNvSpPr>
-          <p:nvPr>
-            <p:ph type="sldNum"/>
-          </p:nvPr>
-        </p:nvSpPr>
-        <p:spPr>
-          <a:xfrm>
-            <a:off x="8610480" y="6356520"/>
-            <a:ext cx="2742840" cy="364680"/>
-          </a:xfrm>
-          <a:prstGeom prst="rect">
-            <a:avLst/>
-          </a:prstGeom>
-        </p:spPr>
-        <p:txBody>
-          <a:bodyPr anchor="ctr"/>
-          <a:p>
-            <a:pPr algn="r">
-              <a:lnSpc>
-                <a:spcPct val="100000"/>
-              </a:lnSpc>
-            </a:pPr>
-            <a:fld id="{0880D009-56EA-4F55-B30C-111344242C9B}" type="slidenum">
-              <a:rPr b="0" lang="en-US" sz="1200" spc="-1" strike="noStrike">
-                <a:solidFill>
-                  <a:srgbClr val="8b8b8b"/>
-                </a:solidFill>
-                <a:uFill>
-                  <a:solidFill>
-                    <a:srgbClr val="ffffff"/>
-                  </a:solidFill>
-                </a:uFill>
-                <a:latin typeface="Calibri"/>
-              </a:rPr>
-              <a:t>1</a:t>
-            </a:fld>
-            <a:endParaRPr b="0" lang="en-US" sz="1400" spc="-1" strike="noStrike">
-              <a:solidFill>
-                <a:srgbClr val="000000"/>
-              </a:solidFill>
-              <a:uFill>
-                <a:solidFill>
-                  <a:srgbClr val="ffffff"/>
-                </a:solidFill>
-              </a:uFill>
-              <a:latin typeface="Times New Roman"/>
-            </a:endParaRPr>
-          </a:p>
-        </p:txBody>
-      </p:sp>
-      <p:sp>
-        <p:nvSpPr>
-          <p:cNvPr id="42" name="PlaceHolder 4"/>
+          <p:cNvPr id="36" name="PlaceHolder 1"/>
           <p:cNvSpPr>
             <a:spLocks noGrp="1"/>
           </p:cNvSpPr>
@@ -3803,8 +3377,9 @@
         <p:txBody>
           <a:bodyPr lIns="0" rIns="0" tIns="0" bIns="0" anchor="ctr"/>
           <a:p>
-            <a:r>
-              <a:rPr b="0" lang="en-US" sz="1800" spc="-1" strike="noStrike">
+            <a:pPr algn="ctr"/>
+            <a:r>
+              <a:rPr b="0" lang="en-US" sz="4400" spc="-1" strike="noStrike">
                 <a:solidFill>
                   <a:srgbClr val="000000"/>
                 </a:solidFill>
@@ -3813,27 +3388,27 @@
                     <a:srgbClr val="ffffff"/>
                   </a:solidFill>
                 </a:uFill>
-                <a:latin typeface="Calibri"/>
+                <a:latin typeface="Arial"/>
               </a:rPr>
               <a:t>Click to edit the title text format</a:t>
             </a:r>
-            <a:endParaRPr b="0" lang="en-US" sz="1800" spc="-1" strike="noStrike">
-              <a:solidFill>
-                <a:srgbClr val="000000"/>
-              </a:solidFill>
-              <a:uFill>
-                <a:solidFill>
-                  <a:srgbClr val="ffffff"/>
-                </a:solidFill>
-              </a:uFill>
-              <a:latin typeface="Calibri"/>
-            </a:endParaRPr>
-          </a:p>
-        </p:txBody>
-      </p:sp>
-      <p:sp>
-        <p:nvSpPr>
-          <p:cNvPr id="43" name="PlaceHolder 5"/>
+            <a:endParaRPr b="0" lang="en-US" sz="4400" spc="-1" strike="noStrike">
+              <a:solidFill>
+                <a:srgbClr val="000000"/>
+              </a:solidFill>
+              <a:uFill>
+                <a:solidFill>
+                  <a:srgbClr val="ffffff"/>
+                </a:solidFill>
+              </a:uFill>
+              <a:latin typeface="Arial"/>
+            </a:endParaRPr>
+          </a:p>
+        </p:txBody>
+      </p:sp>
+      <p:sp>
+        <p:nvSpPr>
+          <p:cNvPr id="37" name="PlaceHolder 2"/>
           <p:cNvSpPr>
             <a:spLocks noGrp="1"/>
           </p:cNvSpPr>
@@ -3862,7 +3437,7 @@
               <a:buChar char=""/>
             </a:pPr>
             <a:r>
-              <a:rPr b="0" lang="en-US" sz="2800" spc="-1" strike="noStrike">
+              <a:rPr b="0" lang="en-US" sz="3200" spc="-1" strike="noStrike">
                 <a:solidFill>
                   <a:srgbClr val="000000"/>
                 </a:solidFill>
@@ -3871,20 +3446,20 @@
                     <a:srgbClr val="ffffff"/>
                   </a:solidFill>
                 </a:uFill>
-                <a:latin typeface="Calibri"/>
+                <a:latin typeface="Arial"/>
               </a:rPr>
               <a:t>Click to edit the outline text format</a:t>
             </a:r>
-            <a:endParaRPr b="0" lang="en-US" sz="2800" spc="-1" strike="noStrike">
-              <a:solidFill>
-                <a:srgbClr val="000000"/>
-              </a:solidFill>
-              <a:uFill>
-                <a:solidFill>
-                  <a:srgbClr val="ffffff"/>
-                </a:solidFill>
-              </a:uFill>
-              <a:latin typeface="Calibri"/>
+            <a:endParaRPr b="0" lang="en-US" sz="3200" spc="-1" strike="noStrike">
+              <a:solidFill>
+                <a:srgbClr val="000000"/>
+              </a:solidFill>
+              <a:uFill>
+                <a:solidFill>
+                  <a:srgbClr val="ffffff"/>
+                </a:solidFill>
+              </a:uFill>
+              <a:latin typeface="Arial"/>
             </a:endParaRPr>
           </a:p>
           <a:p>
@@ -3897,7 +3472,7 @@
               <a:buChar char=""/>
             </a:pPr>
             <a:r>
-              <a:rPr b="0" lang="en-US" sz="2000" spc="-1" strike="noStrike">
+              <a:rPr b="0" lang="en-US" sz="2800" spc="-1" strike="noStrike">
                 <a:solidFill>
                   <a:srgbClr val="000000"/>
                 </a:solidFill>
@@ -3906,20 +3481,20 @@
                     <a:srgbClr val="ffffff"/>
                   </a:solidFill>
                 </a:uFill>
-                <a:latin typeface="Calibri"/>
+                <a:latin typeface="Arial"/>
               </a:rPr>
               <a:t>Second Outline Level</a:t>
             </a:r>
-            <a:endParaRPr b="0" lang="en-US" sz="2000" spc="-1" strike="noStrike">
-              <a:solidFill>
-                <a:srgbClr val="000000"/>
-              </a:solidFill>
-              <a:uFill>
-                <a:solidFill>
-                  <a:srgbClr val="ffffff"/>
-                </a:solidFill>
-              </a:uFill>
-              <a:latin typeface="Calibri"/>
+            <a:endParaRPr b="0" lang="en-US" sz="2800" spc="-1" strike="noStrike">
+              <a:solidFill>
+                <a:srgbClr val="000000"/>
+              </a:solidFill>
+              <a:uFill>
+                <a:solidFill>
+                  <a:srgbClr val="ffffff"/>
+                </a:solidFill>
+              </a:uFill>
+              <a:latin typeface="Arial"/>
             </a:endParaRPr>
           </a:p>
           <a:p>
@@ -3932,7 +3507,7 @@
               <a:buChar char=""/>
             </a:pPr>
             <a:r>
-              <a:rPr b="0" lang="en-US" sz="1800" spc="-1" strike="noStrike">
+              <a:rPr b="0" lang="en-US" sz="2400" spc="-1" strike="noStrike">
                 <a:solidFill>
                   <a:srgbClr val="000000"/>
                 </a:solidFill>
@@ -3941,20 +3516,20 @@
                     <a:srgbClr val="ffffff"/>
                   </a:solidFill>
                 </a:uFill>
-                <a:latin typeface="Calibri"/>
+                <a:latin typeface="Arial"/>
               </a:rPr>
               <a:t>Third Outline Level</a:t>
             </a:r>
-            <a:endParaRPr b="0" lang="en-US" sz="1800" spc="-1" strike="noStrike">
-              <a:solidFill>
-                <a:srgbClr val="000000"/>
-              </a:solidFill>
-              <a:uFill>
-                <a:solidFill>
-                  <a:srgbClr val="ffffff"/>
-                </a:solidFill>
-              </a:uFill>
-              <a:latin typeface="Calibri"/>
+            <a:endParaRPr b="0" lang="en-US" sz="2400" spc="-1" strike="noStrike">
+              <a:solidFill>
+                <a:srgbClr val="000000"/>
+              </a:solidFill>
+              <a:uFill>
+                <a:solidFill>
+                  <a:srgbClr val="ffffff"/>
+                </a:solidFill>
+              </a:uFill>
+              <a:latin typeface="Arial"/>
             </a:endParaRPr>
           </a:p>
           <a:p>
@@ -3967,7 +3542,7 @@
               <a:buChar char=""/>
             </a:pPr>
             <a:r>
-              <a:rPr b="0" lang="en-US" sz="1800" spc="-1" strike="noStrike">
+              <a:rPr b="0" lang="en-US" sz="2000" spc="-1" strike="noStrike">
                 <a:solidFill>
                   <a:srgbClr val="000000"/>
                 </a:solidFill>
@@ -3976,20 +3551,20 @@
                     <a:srgbClr val="ffffff"/>
                   </a:solidFill>
                 </a:uFill>
-                <a:latin typeface="Calibri"/>
+                <a:latin typeface="Arial"/>
               </a:rPr>
               <a:t>Fourth Outline Level</a:t>
             </a:r>
-            <a:endParaRPr b="0" lang="en-US" sz="1800" spc="-1" strike="noStrike">
-              <a:solidFill>
-                <a:srgbClr val="000000"/>
-              </a:solidFill>
-              <a:uFill>
-                <a:solidFill>
-                  <a:srgbClr val="ffffff"/>
-                </a:solidFill>
-              </a:uFill>
-              <a:latin typeface="Calibri"/>
+            <a:endParaRPr b="0" lang="en-US" sz="2000" spc="-1" strike="noStrike">
+              <a:solidFill>
+                <a:srgbClr val="000000"/>
+              </a:solidFill>
+              <a:uFill>
+                <a:solidFill>
+                  <a:srgbClr val="ffffff"/>
+                </a:solidFill>
+              </a:uFill>
+              <a:latin typeface="Arial"/>
             </a:endParaRPr>
           </a:p>
           <a:p>
@@ -4011,7 +3586,7 @@
                     <a:srgbClr val="ffffff"/>
                   </a:solidFill>
                 </a:uFill>
-                <a:latin typeface="Calibri"/>
+                <a:latin typeface="Arial"/>
               </a:rPr>
               <a:t>Fifth Outline Level</a:t>
             </a:r>
@@ -4024,7 +3599,7 @@
                   <a:srgbClr val="ffffff"/>
                 </a:solidFill>
               </a:uFill>
-              <a:latin typeface="Calibri"/>
+              <a:latin typeface="Arial"/>
             </a:endParaRPr>
           </a:p>
           <a:p>
@@ -4046,7 +3621,7 @@
                     <a:srgbClr val="ffffff"/>
                   </a:solidFill>
                 </a:uFill>
-                <a:latin typeface="Calibri"/>
+                <a:latin typeface="Arial"/>
               </a:rPr>
               <a:t>Sixth Outline Level</a:t>
             </a:r>
@@ -4059,7 +3634,7 @@
                   <a:srgbClr val="ffffff"/>
                 </a:solidFill>
               </a:uFill>
-              <a:latin typeface="Calibri"/>
+              <a:latin typeface="Arial"/>
             </a:endParaRPr>
           </a:p>
           <a:p>
@@ -4081,7 +3656,7 @@
                     <a:srgbClr val="ffffff"/>
                   </a:solidFill>
                 </a:uFill>
-                <a:latin typeface="Calibri"/>
+                <a:latin typeface="Arial"/>
               </a:rPr>
               <a:t>Seventh Outline Level</a:t>
             </a:r>
@@ -4094,7 +3669,7 @@
                   <a:srgbClr val="ffffff"/>
                 </a:solidFill>
               </a:uFill>
-              <a:latin typeface="Calibri"/>
+              <a:latin typeface="Arial"/>
             </a:endParaRPr>
           </a:p>
         </p:txBody>
@@ -4138,14 +3713,14 @@
       </p:grpSpPr>
       <p:sp>
         <p:nvSpPr>
-          <p:cNvPr id="78" name="CustomShape 1"/>
+          <p:cNvPr id="72" name="CustomShape 1"/>
           <p:cNvSpPr/>
           <p:nvPr/>
         </p:nvSpPr>
         <p:spPr>
           <a:xfrm>
             <a:off x="1009440" y="1033200"/>
-            <a:ext cx="10164960" cy="2441520"/>
+            <a:ext cx="10164600" cy="2441160"/>
           </a:xfrm>
           <a:prstGeom prst="rect">
             <a:avLst/>
@@ -4182,6 +3757,7 @@
                   </a:solidFill>
                 </a:uFill>
                 <a:latin typeface="Arial"/>
+                <a:ea typeface="DejaVu Sans"/>
               </a:rPr>
               <a:t>Costa Rican Household Poverty Level Prediction</a:t>
             </a:r>
@@ -4201,14 +3777,14 @@
       </p:sp>
       <p:sp>
         <p:nvSpPr>
-          <p:cNvPr id="79" name="CustomShape 2"/>
+          <p:cNvPr id="73" name="CustomShape 2"/>
           <p:cNvSpPr/>
           <p:nvPr/>
         </p:nvSpPr>
         <p:spPr>
           <a:xfrm>
             <a:off x="1980720" y="4203000"/>
-            <a:ext cx="8228880" cy="1489680"/>
+            <a:ext cx="8228520" cy="1489320"/>
           </a:xfrm>
           <a:prstGeom prst="rect">
             <a:avLst/>
@@ -4243,6 +3819,7 @@
                   </a:solidFill>
                 </a:uFill>
                 <a:latin typeface="Arial"/>
+                <a:ea typeface="DejaVu Sans"/>
               </a:rPr>
               <a:t>Applied Machine Learning Fall 2018</a:t>
             </a:r>
@@ -4275,6 +3852,7 @@
                   </a:solidFill>
                 </a:uFill>
                 <a:latin typeface="Arial"/>
+                <a:ea typeface="DejaVu Sans"/>
               </a:rPr>
               <a:t>Project Phase-1</a:t>
             </a:r>
@@ -4325,6 +3903,7 @@
                   </a:solidFill>
                 </a:uFill>
                 <a:latin typeface="Arial"/>
+                <a:ea typeface="DejaVu Sans"/>
               </a:rPr>
               <a:t>Abhijit Thakre</a:t>
             </a:r>
@@ -4357,6 +3936,7 @@
                   </a:solidFill>
                 </a:uFill>
                 <a:latin typeface="Arial"/>
+                <a:ea typeface="DejaVu Sans"/>
               </a:rPr>
               <a:t>Dhanya Mathew</a:t>
             </a:r>
@@ -4389,6 +3969,7 @@
                   </a:solidFill>
                 </a:uFill>
                 <a:latin typeface="Arial"/>
+                <a:ea typeface="DejaVu Sans"/>
               </a:rPr>
               <a:t>Mani Kumar Kagita</a:t>
             </a:r>
@@ -4421,6 +4002,7 @@
                   </a:solidFill>
                 </a:uFill>
                 <a:latin typeface="Arial"/>
+                <a:ea typeface="DejaVu Sans"/>
               </a:rPr>
               <a:t>Lenin Arivukadal</a:t>
             </a:r>
@@ -4489,14 +4071,14 @@
       </p:grpSpPr>
       <p:sp>
         <p:nvSpPr>
-          <p:cNvPr id="80" name="CustomShape 1"/>
+          <p:cNvPr id="74" name="CustomShape 1"/>
           <p:cNvSpPr/>
           <p:nvPr/>
         </p:nvSpPr>
         <p:spPr>
           <a:xfrm>
             <a:off x="1600200" y="557640"/>
-            <a:ext cx="8228880" cy="638280"/>
+            <a:ext cx="8228520" cy="637920"/>
           </a:xfrm>
           <a:prstGeom prst="rect">
             <a:avLst/>
@@ -4533,6 +4115,7 @@
                   </a:solidFill>
                 </a:uFill>
                 <a:latin typeface="Arial"/>
+                <a:ea typeface="DejaVu Sans"/>
               </a:rPr>
               <a:t>   </a:t>
             </a:r>
@@ -4547,6 +4130,7 @@
                   </a:solidFill>
                 </a:uFill>
                 <a:latin typeface="Arial"/>
+                <a:ea typeface="DejaVu Sans"/>
               </a:rPr>
               <a:t>Past </a:t>
             </a:r>
@@ -4566,14 +4150,14 @@
       </p:sp>
       <p:sp>
         <p:nvSpPr>
-          <p:cNvPr id="81" name="CustomShape 2"/>
+          <p:cNvPr id="75" name="CustomShape 2"/>
           <p:cNvSpPr/>
           <p:nvPr/>
         </p:nvSpPr>
         <p:spPr>
           <a:xfrm>
             <a:off x="1600200" y="1569240"/>
-            <a:ext cx="8350560" cy="4712400"/>
+            <a:ext cx="8350200" cy="4712040"/>
           </a:xfrm>
           <a:prstGeom prst="rect">
             <a:avLst/>
@@ -4607,11 +4191,10 @@
                 </a:solidFill>
               </a:uFill>
               <a:latin typeface="Arial"/>
-              <a:ea typeface="Noto Sans CJK SC Regular"/>
-            </a:endParaRPr>
-          </a:p>
-          <a:p>
-            <a:pPr marL="432000" indent="-323280">
+            </a:endParaRPr>
+          </a:p>
+          <a:p>
+            <a:pPr marL="432000" indent="-322920">
               <a:lnSpc>
                 <a:spcPct val="100000"/>
               </a:lnSpc>
@@ -4633,6 +4216,7 @@
                   </a:solidFill>
                 </a:uFill>
                 <a:latin typeface="Arial"/>
+                <a:ea typeface="DejaVu Sans"/>
               </a:rPr>
               <a:t>Costa Rican Household Poverty Level Prediction is a Kaggle competition for a social cause to help Inter-American Development Bank to identify which households have the highest need for social welfare assistance.</a:t>
             </a:r>
@@ -4646,11 +4230,10 @@
                 </a:solidFill>
               </a:uFill>
               <a:latin typeface="Arial"/>
-              <a:ea typeface="Noto Sans CJK SC Regular"/>
-            </a:endParaRPr>
-          </a:p>
-          <a:p>
-            <a:pPr marL="432000" indent="-323280">
+            </a:endParaRPr>
+          </a:p>
+          <a:p>
+            <a:pPr marL="432000" indent="-322920">
               <a:lnSpc>
                 <a:spcPct val="100000"/>
               </a:lnSpc>
@@ -4672,6 +4255,7 @@
                   </a:solidFill>
                 </a:uFill>
                 <a:latin typeface="Arial"/>
+                <a:ea typeface="DejaVu Sans"/>
               </a:rPr>
               <a:t> </a:t>
             </a:r>
@@ -4685,11 +4269,10 @@
                 </a:solidFill>
               </a:uFill>
               <a:latin typeface="Arial"/>
-              <a:ea typeface="Noto Sans CJK SC Regular"/>
-            </a:endParaRPr>
-          </a:p>
-          <a:p>
-            <a:pPr marL="432000" indent="-323280">
+            </a:endParaRPr>
+          </a:p>
+          <a:p>
+            <a:pPr marL="432000" indent="-322920">
               <a:lnSpc>
                 <a:spcPct val="100000"/>
               </a:lnSpc>
@@ -4711,6 +4294,7 @@
                   </a:solidFill>
                 </a:uFill>
                 <a:latin typeface="Arial"/>
+                <a:ea typeface="DejaVu Sans"/>
               </a:rPr>
               <a:t>Training Dataset contains 143 variables/features and 9557 rows</a:t>
             </a:r>
@@ -4724,11 +4308,10 @@
                 </a:solidFill>
               </a:uFill>
               <a:latin typeface="Arial"/>
-              <a:ea typeface="Noto Sans CJK SC Regular"/>
-            </a:endParaRPr>
-          </a:p>
-          <a:p>
-            <a:pPr marL="432000" indent="-323280">
+            </a:endParaRPr>
+          </a:p>
+          <a:p>
+            <a:pPr marL="432000" indent="-322920">
               <a:lnSpc>
                 <a:spcPct val="100000"/>
               </a:lnSpc>
@@ -4750,6 +4333,7 @@
                   </a:solidFill>
                 </a:uFill>
                 <a:latin typeface="Arial"/>
+                <a:ea typeface="DejaVu Sans"/>
               </a:rPr>
               <a:t>Test Dataset contains 142 features and 23856 rows</a:t>
             </a:r>
@@ -4763,11 +4347,10 @@
                 </a:solidFill>
               </a:uFill>
               <a:latin typeface="Arial"/>
-              <a:ea typeface="Noto Sans CJK SC Regular"/>
-            </a:endParaRPr>
-          </a:p>
-          <a:p>
-            <a:pPr marL="432000" indent="-323280">
+            </a:endParaRPr>
+          </a:p>
+          <a:p>
+            <a:pPr marL="432000" indent="-322920">
               <a:lnSpc>
                 <a:spcPct val="100000"/>
               </a:lnSpc>
@@ -4789,6 +4372,7 @@
                   </a:solidFill>
                 </a:uFill>
                 <a:latin typeface="Arial"/>
+                <a:ea typeface="DejaVu Sans"/>
               </a:rPr>
               <a:t> </a:t>
             </a:r>
@@ -4802,11 +4386,10 @@
                 </a:solidFill>
               </a:uFill>
               <a:latin typeface="Arial"/>
-              <a:ea typeface="Noto Sans CJK SC Regular"/>
-            </a:endParaRPr>
-          </a:p>
-          <a:p>
-            <a:pPr marL="432000" indent="-323280">
+            </a:endParaRPr>
+          </a:p>
+          <a:p>
+            <a:pPr marL="432000" indent="-322920">
               <a:lnSpc>
                 <a:spcPct val="100000"/>
               </a:lnSpc>
@@ -4828,6 +4411,7 @@
                   </a:solidFill>
                 </a:uFill>
                 <a:latin typeface="Arial"/>
+                <a:ea typeface="DejaVu Sans"/>
               </a:rPr>
               <a:t>This is a multi class classification problem using supervised machine learning which needs to classify the income levels into </a:t>
             </a:r>
@@ -4841,11 +4425,10 @@
                 </a:solidFill>
               </a:uFill>
               <a:latin typeface="Arial"/>
-              <a:ea typeface="Noto Sans CJK SC Regular"/>
-            </a:endParaRPr>
-          </a:p>
-          <a:p>
-            <a:pPr lvl="4" marL="1080000" indent="-216000">
+            </a:endParaRPr>
+          </a:p>
+          <a:p>
+            <a:pPr lvl="4" marL="1080000" indent="-215640">
               <a:lnSpc>
                 <a:spcPct val="100000"/>
               </a:lnSpc>
@@ -4867,6 +4450,7 @@
                   </a:solidFill>
                 </a:uFill>
                 <a:latin typeface="Arial"/>
+                <a:ea typeface="DejaVu Sans"/>
               </a:rPr>
               <a:t>1 = extreme poverty,  </a:t>
             </a:r>
@@ -4880,11 +4464,10 @@
                 </a:solidFill>
               </a:uFill>
               <a:latin typeface="Arial"/>
-              <a:ea typeface="Noto Sans CJK SC Regular"/>
-            </a:endParaRPr>
-          </a:p>
-          <a:p>
-            <a:pPr lvl="4" marL="1080000" indent="-216000">
+            </a:endParaRPr>
+          </a:p>
+          <a:p>
+            <a:pPr lvl="4" marL="1080000" indent="-215640">
               <a:lnSpc>
                 <a:spcPct val="100000"/>
               </a:lnSpc>
@@ -4906,6 +4489,7 @@
                   </a:solidFill>
                 </a:uFill>
                 <a:latin typeface="Arial"/>
+                <a:ea typeface="DejaVu Sans"/>
               </a:rPr>
               <a:t>2 = moderate poverty, </a:t>
             </a:r>
@@ -4919,11 +4503,10 @@
                 </a:solidFill>
               </a:uFill>
               <a:latin typeface="Arial"/>
-              <a:ea typeface="Noto Sans CJK SC Regular"/>
-            </a:endParaRPr>
-          </a:p>
-          <a:p>
-            <a:pPr lvl="4" marL="1080000" indent="-216000">
+            </a:endParaRPr>
+          </a:p>
+          <a:p>
+            <a:pPr lvl="4" marL="1080000" indent="-215640">
               <a:lnSpc>
                 <a:spcPct val="100000"/>
               </a:lnSpc>
@@ -4945,6 +4528,7 @@
                   </a:solidFill>
                 </a:uFill>
                 <a:latin typeface="Arial"/>
+                <a:ea typeface="DejaVu Sans"/>
               </a:rPr>
               <a:t>3 = vulnerable households,</a:t>
             </a:r>
@@ -4958,11 +4542,10 @@
                 </a:solidFill>
               </a:uFill>
               <a:latin typeface="Arial"/>
-              <a:ea typeface="Noto Sans CJK SC Regular"/>
-            </a:endParaRPr>
-          </a:p>
-          <a:p>
-            <a:pPr lvl="4" marL="1080000" indent="-216000">
+            </a:endParaRPr>
+          </a:p>
+          <a:p>
+            <a:pPr lvl="4" marL="1080000" indent="-215640">
               <a:lnSpc>
                 <a:spcPct val="100000"/>
               </a:lnSpc>
@@ -4984,6 +4567,7 @@
                   </a:solidFill>
                 </a:uFill>
                 <a:latin typeface="Arial"/>
+                <a:ea typeface="DejaVu Sans"/>
               </a:rPr>
               <a:t>4 = non vulnerable households</a:t>
             </a:r>
@@ -4997,11 +4581,10 @@
                 </a:solidFill>
               </a:uFill>
               <a:latin typeface="Arial"/>
-              <a:ea typeface="Noto Sans CJK SC Regular"/>
-            </a:endParaRPr>
-          </a:p>
-          <a:p>
-            <a:pPr marL="432000" indent="-323280">
+            </a:endParaRPr>
+          </a:p>
+          <a:p>
+            <a:pPr marL="432000" indent="-322920">
               <a:lnSpc>
                 <a:spcPct val="100000"/>
               </a:lnSpc>
@@ -5023,6 +4606,7 @@
                   </a:solidFill>
                 </a:uFill>
                 <a:latin typeface="Arial"/>
+                <a:ea typeface="DejaVu Sans"/>
               </a:rPr>
               <a:t>Kaggle competition link: </a:t>
             </a:r>
@@ -5036,11 +4620,10 @@
                 </a:solidFill>
               </a:uFill>
               <a:latin typeface="Arial"/>
-              <a:ea typeface="Noto Sans CJK SC Regular"/>
-            </a:endParaRPr>
-          </a:p>
-          <a:p>
-            <a:pPr marL="432000" indent="-323280">
+            </a:endParaRPr>
+          </a:p>
+          <a:p>
+            <a:pPr marL="432000" indent="-322920">
               <a:lnSpc>
                 <a:spcPct val="100000"/>
               </a:lnSpc>
@@ -5052,16 +4635,17 @@
               <a:buChar char=""/>
             </a:pPr>
             <a:r>
-              <a:rPr b="0" lang="en-US" sz="1800" spc="-1" strike="noStrike">
-                <a:solidFill>
-                  <a:srgbClr val="000000"/>
-                </a:solidFill>
-                <a:uFill>
-                  <a:solidFill>
-                    <a:srgbClr val="ffffff"/>
-                  </a:solidFill>
-                </a:uFill>
-                <a:latin typeface="Arial"/>
+              <a:rPr b="0" lang="en-US" sz="1800" spc="-1" strike="noStrike" u="sng">
+                <a:solidFill>
+                  <a:srgbClr val="0000ff"/>
+                </a:solidFill>
+                <a:uFill>
+                  <a:solidFill>
+                    <a:srgbClr val="ffffff"/>
+                  </a:solidFill>
+                </a:uFill>
+                <a:latin typeface="Arial"/>
+                <a:ea typeface="DejaVu Sans"/>
                 <a:hlinkClick r:id="rId1"/>
               </a:rPr>
               <a:t>https://www.kaggle.com/c/costa-rican-household-poverty-prediction</a:t>
@@ -5076,7 +4660,6 @@
                 </a:solidFill>
               </a:uFill>
               <a:latin typeface="Arial"/>
-              <a:ea typeface="Noto Sans CJK SC Regular"/>
             </a:endParaRPr>
           </a:p>
         </p:txBody>
@@ -5132,14 +4715,14 @@
       </p:grpSpPr>
       <p:sp>
         <p:nvSpPr>
-          <p:cNvPr id="82" name="CustomShape 1"/>
+          <p:cNvPr id="76" name="CustomShape 1"/>
           <p:cNvSpPr/>
           <p:nvPr/>
         </p:nvSpPr>
         <p:spPr>
           <a:xfrm>
             <a:off x="1600200" y="557640"/>
-            <a:ext cx="8228880" cy="638280"/>
+            <a:ext cx="8228520" cy="637920"/>
           </a:xfrm>
           <a:prstGeom prst="rect">
             <a:avLst/>
@@ -5176,6 +4759,7 @@
                   </a:solidFill>
                 </a:uFill>
                 <a:latin typeface="Arial"/>
+                <a:ea typeface="DejaVu Sans"/>
               </a:rPr>
               <a:t>Present</a:t>
             </a:r>
@@ -5195,14 +4779,14 @@
       </p:sp>
       <p:sp>
         <p:nvSpPr>
-          <p:cNvPr id="83" name="CustomShape 2"/>
+          <p:cNvPr id="77" name="CustomShape 2"/>
           <p:cNvSpPr/>
           <p:nvPr/>
         </p:nvSpPr>
         <p:spPr>
           <a:xfrm>
             <a:off x="1600200" y="1616760"/>
-            <a:ext cx="8228880" cy="3976920"/>
+            <a:ext cx="8228520" cy="3976560"/>
           </a:xfrm>
           <a:prstGeom prst="rect">
             <a:avLst/>
@@ -5239,7 +4823,7 @@
             </a:endParaRPr>
           </a:p>
           <a:p>
-            <a:pPr marL="392040" indent="-293400">
+            <a:pPr marL="392040" indent="-293040">
               <a:lnSpc>
                 <a:spcPct val="100000"/>
               </a:lnSpc>
@@ -5261,6 +4845,7 @@
                   </a:solidFill>
                 </a:uFill>
                 <a:latin typeface="Arial"/>
+                <a:ea typeface="DejaVu Sans"/>
               </a:rPr>
               <a:t>Download Data:</a:t>
             </a:r>
@@ -5277,7 +4862,7 @@
             </a:endParaRPr>
           </a:p>
           <a:p>
-            <a:pPr lvl="3" marL="864000" indent="-216000">
+            <a:pPr lvl="3" marL="864000" indent="-215640">
               <a:lnSpc>
                 <a:spcPct val="100000"/>
               </a:lnSpc>
@@ -5299,6 +4884,7 @@
                   </a:solidFill>
                 </a:uFill>
                 <a:latin typeface="Arial"/>
+                <a:ea typeface="DejaVu Sans"/>
               </a:rPr>
               <a:t> – </a:t>
             </a:r>
@@ -5313,6 +4899,7 @@
                   </a:solidFill>
                 </a:uFill>
                 <a:latin typeface="Arial"/>
+                <a:ea typeface="DejaVu Sans"/>
               </a:rPr>
               <a:t>Downloaded the training and test datasets in .csv format from Kaggle. </a:t>
             </a:r>
@@ -5347,7 +4934,7 @@
             </a:endParaRPr>
           </a:p>
           <a:p>
-            <a:pPr marL="392040" indent="-293400">
+            <a:pPr marL="392040" indent="-293040">
               <a:lnSpc>
                 <a:spcPct val="100000"/>
               </a:lnSpc>
@@ -5369,6 +4956,7 @@
                   </a:solidFill>
                 </a:uFill>
                 <a:latin typeface="Arial"/>
+                <a:ea typeface="DejaVu Sans"/>
               </a:rPr>
               <a:t>Exploratory Data Analysis:</a:t>
             </a:r>
@@ -5385,7 +4973,7 @@
             </a:endParaRPr>
           </a:p>
           <a:p>
-            <a:pPr lvl="3" marL="864000" indent="-216000">
+            <a:pPr lvl="3" marL="864000" indent="-215640">
               <a:lnSpc>
                 <a:spcPct val="100000"/>
               </a:lnSpc>
@@ -5407,6 +4995,7 @@
                   </a:solidFill>
                 </a:uFill>
                 <a:latin typeface="Arial"/>
+                <a:ea typeface="DejaVu Sans"/>
               </a:rPr>
               <a:t>- Understand dataset features, datatypes and descriptions</a:t>
             </a:r>
@@ -5423,7 +5012,7 @@
             </a:endParaRPr>
           </a:p>
           <a:p>
-            <a:pPr lvl="3" marL="864000" indent="-216000">
+            <a:pPr lvl="3" marL="864000" indent="-215640">
               <a:lnSpc>
                 <a:spcPct val="100000"/>
               </a:lnSpc>
@@ -5445,6 +5034,7 @@
                   </a:solidFill>
                 </a:uFill>
                 <a:latin typeface="Arial"/>
+                <a:ea typeface="DejaVu Sans"/>
               </a:rPr>
               <a:t>- Analysis on training and testing for fields with Nan values</a:t>
             </a:r>
@@ -5461,7 +5051,7 @@
             </a:endParaRPr>
           </a:p>
           <a:p>
-            <a:pPr lvl="3" marL="864000" indent="-216000">
+            <a:pPr lvl="3" marL="864000" indent="-215640">
               <a:lnSpc>
                 <a:spcPct val="100000"/>
               </a:lnSpc>
@@ -5483,6 +5073,7 @@
                   </a:solidFill>
                 </a:uFill>
                 <a:latin typeface="Arial"/>
+                <a:ea typeface="DejaVu Sans"/>
               </a:rPr>
               <a:t>- Study of individual and household features</a:t>
             </a:r>
@@ -5499,7 +5090,7 @@
             </a:endParaRPr>
           </a:p>
           <a:p>
-            <a:pPr lvl="3" marL="864000" indent="-216000">
+            <a:pPr lvl="3" marL="864000" indent="-215640">
               <a:lnSpc>
                 <a:spcPct val="100000"/>
               </a:lnSpc>
@@ -5521,6 +5112,7 @@
                   </a:solidFill>
                 </a:uFill>
                 <a:latin typeface="Arial"/>
+                <a:ea typeface="DejaVu Sans"/>
               </a:rPr>
               <a:t>- Understand data distribution using visualizations</a:t>
             </a:r>
@@ -5555,7 +5147,7 @@
             </a:endParaRPr>
           </a:p>
           <a:p>
-            <a:pPr marL="392040" indent="-293400">
+            <a:pPr marL="392040" indent="-293040">
               <a:lnSpc>
                 <a:spcPct val="100000"/>
               </a:lnSpc>
@@ -5577,6 +5169,7 @@
                   </a:solidFill>
                 </a:uFill>
                 <a:latin typeface="Arial"/>
+                <a:ea typeface="DejaVu Sans"/>
               </a:rPr>
               <a:t>Data Pre-Processing:</a:t>
             </a:r>
@@ -5593,7 +5186,7 @@
             </a:endParaRPr>
           </a:p>
           <a:p>
-            <a:pPr lvl="3" marL="864000" indent="-216000">
+            <a:pPr lvl="3" marL="864000" indent="-215640">
               <a:lnSpc>
                 <a:spcPct val="100000"/>
               </a:lnSpc>
@@ -5615,6 +5208,7 @@
                   </a:solidFill>
                 </a:uFill>
                 <a:latin typeface="Arial"/>
+                <a:ea typeface="DejaVu Sans"/>
               </a:rPr>
               <a:t>- Detailed analysis on features with NaN values and fill them  </a:t>
             </a:r>
@@ -5629,6 +5223,7 @@
                   </a:solidFill>
                 </a:uFill>
                 <a:latin typeface="Arial"/>
+                <a:ea typeface="DejaVu Sans"/>
               </a:rPr>
               <a:t>	</a:t>
             </a:r>
@@ -5643,6 +5238,7 @@
                   </a:solidFill>
                 </a:uFill>
                 <a:latin typeface="Arial"/>
+                <a:ea typeface="DejaVu Sans"/>
               </a:rPr>
               <a:t>appropriately by identified options</a:t>
             </a:r>
@@ -5659,7 +5255,7 @@
             </a:endParaRPr>
           </a:p>
           <a:p>
-            <a:pPr lvl="3" marL="864000" indent="-216000">
+            <a:pPr lvl="3" marL="864000" indent="-215640">
               <a:lnSpc>
                 <a:spcPct val="100000"/>
               </a:lnSpc>
@@ -5681,6 +5277,7 @@
                   </a:solidFill>
                 </a:uFill>
                 <a:latin typeface="Arial"/>
+                <a:ea typeface="DejaVu Sans"/>
               </a:rPr>
               <a:t>- v18q1, rez_esc, v2a1 are filled with appropriate values as per the data description and understandings</a:t>
             </a:r>
@@ -5697,7 +5294,7 @@
             </a:endParaRPr>
           </a:p>
           <a:p>
-            <a:pPr lvl="3" marL="864000" indent="-216000">
+            <a:pPr lvl="3" marL="864000" indent="-215640">
               <a:lnSpc>
                 <a:spcPct val="100000"/>
               </a:lnSpc>
@@ -5719,6 +5316,7 @@
                   </a:solidFill>
                 </a:uFill>
                 <a:latin typeface="Arial"/>
+                <a:ea typeface="DejaVu Sans"/>
               </a:rPr>
               <a:t> </a:t>
             </a:r>
@@ -5805,14 +5403,14 @@
       </p:grpSpPr>
       <p:sp>
         <p:nvSpPr>
-          <p:cNvPr id="84" name="CustomShape 1"/>
+          <p:cNvPr id="78" name="CustomShape 1"/>
           <p:cNvSpPr/>
           <p:nvPr/>
         </p:nvSpPr>
         <p:spPr>
           <a:xfrm>
             <a:off x="1600200" y="557640"/>
-            <a:ext cx="8228880" cy="638280"/>
+            <a:ext cx="8228520" cy="637920"/>
           </a:xfrm>
           <a:prstGeom prst="rect">
             <a:avLst/>
@@ -5849,6 +5447,7 @@
                   </a:solidFill>
                 </a:uFill>
                 <a:latin typeface="Arial"/>
+                <a:ea typeface="DejaVu Sans"/>
               </a:rPr>
               <a:t>Present (Continues)</a:t>
             </a:r>
@@ -5868,14 +5467,14 @@
       </p:sp>
       <p:sp>
         <p:nvSpPr>
-          <p:cNvPr id="85" name="CustomShape 2"/>
+          <p:cNvPr id="79" name="CustomShape 2"/>
           <p:cNvSpPr/>
           <p:nvPr/>
         </p:nvSpPr>
         <p:spPr>
           <a:xfrm>
             <a:off x="1600200" y="1616760"/>
-            <a:ext cx="8228880" cy="3976920"/>
+            <a:ext cx="8228520" cy="3976560"/>
           </a:xfrm>
           <a:prstGeom prst="rect">
             <a:avLst/>
@@ -5912,7 +5511,7 @@
             </a:endParaRPr>
           </a:p>
           <a:p>
-            <a:pPr marL="392040" indent="-293400">
+            <a:pPr marL="392040" indent="-293040">
               <a:lnSpc>
                 <a:spcPct val="100000"/>
               </a:lnSpc>
@@ -5934,6 +5533,7 @@
                   </a:solidFill>
                 </a:uFill>
                 <a:latin typeface="Arial"/>
+                <a:ea typeface="DejaVu Sans"/>
               </a:rPr>
               <a:t>Feature Engineering:</a:t>
             </a:r>
@@ -5950,7 +5550,7 @@
             </a:endParaRPr>
           </a:p>
           <a:p>
-            <a:pPr lvl="1" marL="849240" indent="-293400">
+            <a:pPr lvl="1" marL="849240" indent="-293040">
               <a:lnSpc>
                 <a:spcPct val="100000"/>
               </a:lnSpc>
@@ -5972,6 +5572,7 @@
                   </a:solidFill>
                 </a:uFill>
                 <a:latin typeface="Arial"/>
+                <a:ea typeface="DejaVu Sans"/>
               </a:rPr>
               <a:t>- Created new features</a:t>
             </a:r>
@@ -5988,7 +5589,7 @@
             </a:endParaRPr>
           </a:p>
           <a:p>
-            <a:pPr lvl="1" marL="849240" indent="-293400">
+            <a:pPr lvl="1" marL="849240" indent="-293040">
               <a:lnSpc>
                 <a:spcPct val="100000"/>
               </a:lnSpc>
@@ -6010,6 +5611,7 @@
                   </a:solidFill>
                 </a:uFill>
                 <a:latin typeface="Arial"/>
+                <a:ea typeface="DejaVu Sans"/>
               </a:rPr>
               <a:t>- Combined/dropped redundant features</a:t>
             </a:r>
@@ -6026,7 +5628,7 @@
             </a:endParaRPr>
           </a:p>
           <a:p>
-            <a:pPr lvl="1" marL="849240" indent="-293400">
+            <a:pPr lvl="1" marL="849240" indent="-293040">
               <a:lnSpc>
                 <a:spcPct val="100000"/>
               </a:lnSpc>
@@ -6048,6 +5650,7 @@
                   </a:solidFill>
                 </a:uFill>
                 <a:latin typeface="Arial"/>
+                <a:ea typeface="DejaVu Sans"/>
               </a:rPr>
               <a:t>- Categorization of features to household and individual variables. - Aggregated the complete set of features at household level as predictions are done at household level and not at individual level </a:t>
             </a:r>
@@ -6082,7 +5685,7 @@
             </a:endParaRPr>
           </a:p>
           <a:p>
-            <a:pPr marL="392040" indent="-293400">
+            <a:pPr marL="392040" indent="-293040">
               <a:lnSpc>
                 <a:spcPct val="100000"/>
               </a:lnSpc>
@@ -6104,6 +5707,7 @@
                   </a:solidFill>
                 </a:uFill>
                 <a:latin typeface="Arial"/>
+                <a:ea typeface="DejaVu Sans"/>
               </a:rPr>
               <a:t>Feature Selection:</a:t>
             </a:r>
@@ -6120,7 +5724,7 @@
             </a:endParaRPr>
           </a:p>
           <a:p>
-            <a:pPr lvl="1" marL="849240" indent="-293400">
+            <a:pPr lvl="1" marL="849240" indent="-293040">
               <a:lnSpc>
                 <a:spcPct val="100000"/>
               </a:lnSpc>
@@ -6142,6 +5746,7 @@
                   </a:solidFill>
                 </a:uFill>
                 <a:latin typeface="Arial"/>
+                <a:ea typeface="DejaVu Sans"/>
               </a:rPr>
               <a:t>- Used select K best to select the top features at this stage. </a:t>
             </a:r>
@@ -6176,7 +5781,7 @@
             </a:endParaRPr>
           </a:p>
           <a:p>
-            <a:pPr marL="392040" indent="-293400">
+            <a:pPr marL="392040" indent="-293040">
               <a:lnSpc>
                 <a:spcPct val="100000"/>
               </a:lnSpc>
@@ -6198,6 +5803,7 @@
                   </a:solidFill>
                 </a:uFill>
                 <a:latin typeface="Arial"/>
+                <a:ea typeface="DejaVu Sans"/>
               </a:rPr>
               <a:t>Baseline Model:</a:t>
             </a:r>
@@ -6214,7 +5820,7 @@
             </a:endParaRPr>
           </a:p>
           <a:p>
-            <a:pPr lvl="1" marL="849240" indent="-293400">
+            <a:pPr lvl="1" marL="849240" indent="-293040">
               <a:lnSpc>
                 <a:spcPct val="100000"/>
               </a:lnSpc>
@@ -6236,6 +5842,7 @@
                   </a:solidFill>
                 </a:uFill>
                 <a:latin typeface="Arial"/>
+                <a:ea typeface="DejaVu Sans"/>
               </a:rPr>
               <a:t> </a:t>
             </a:r>
@@ -6250,6 +5857,7 @@
                   </a:solidFill>
                 </a:uFill>
                 <a:latin typeface="Arial"/>
+                <a:ea typeface="DejaVu Sans"/>
               </a:rPr>
               <a:t>- Logistic Regression (Untuned version) is created as the baseline model.</a:t>
             </a:r>
@@ -6282,6 +5890,7 @@
                   </a:solidFill>
                 </a:uFill>
                 <a:latin typeface="Arial"/>
+                <a:ea typeface="DejaVu Sans"/>
               </a:rPr>
               <a:t>	</a:t>
             </a:r>
@@ -6296,6 +5905,7 @@
                   </a:solidFill>
                 </a:uFill>
                 <a:latin typeface="Arial"/>
+                <a:ea typeface="DejaVu Sans"/>
               </a:rPr>
               <a:t>	</a:t>
             </a:r>
@@ -6310,6 +5920,7 @@
                   </a:solidFill>
                 </a:uFill>
                 <a:latin typeface="Arial"/>
+                <a:ea typeface="DejaVu Sans"/>
               </a:rPr>
               <a:t>- StratifiedShuffleSplit is used for the train-test split</a:t>
             </a:r>
@@ -6396,14 +6007,14 @@
       </p:grpSpPr>
       <p:sp>
         <p:nvSpPr>
-          <p:cNvPr id="86" name="CustomShape 1"/>
+          <p:cNvPr id="80" name="CustomShape 1"/>
           <p:cNvSpPr/>
           <p:nvPr/>
         </p:nvSpPr>
         <p:spPr>
           <a:xfrm>
             <a:off x="1600200" y="557640"/>
-            <a:ext cx="8228880" cy="638280"/>
+            <a:ext cx="8228520" cy="637920"/>
           </a:xfrm>
           <a:prstGeom prst="rect">
             <a:avLst/>
@@ -6440,6 +6051,7 @@
                   </a:solidFill>
                 </a:uFill>
                 <a:latin typeface="Arial"/>
+                <a:ea typeface="DejaVu Sans"/>
               </a:rPr>
               <a:t>Present (Continues)</a:t>
             </a:r>
@@ -6459,14 +6071,14 @@
       </p:sp>
       <p:sp>
         <p:nvSpPr>
-          <p:cNvPr id="87" name="CustomShape 2"/>
+          <p:cNvPr id="81" name="CustomShape 2"/>
           <p:cNvSpPr/>
           <p:nvPr/>
         </p:nvSpPr>
         <p:spPr>
           <a:xfrm>
             <a:off x="1600200" y="1616760"/>
-            <a:ext cx="8228880" cy="3976920"/>
+            <a:ext cx="8228520" cy="3976560"/>
           </a:xfrm>
           <a:prstGeom prst="rect">
             <a:avLst/>
@@ -6503,7 +6115,7 @@
             </a:endParaRPr>
           </a:p>
           <a:p>
-            <a:pPr marL="392040" indent="-293400">
+            <a:pPr marL="392040" indent="-293040">
               <a:lnSpc>
                 <a:spcPct val="100000"/>
               </a:lnSpc>
@@ -6525,6 +6137,7 @@
                   </a:solidFill>
                 </a:uFill>
                 <a:latin typeface="Arial"/>
+                <a:ea typeface="DejaVu Sans"/>
               </a:rPr>
               <a:t>Model different classifiers:</a:t>
             </a:r>
@@ -6541,7 +6154,7 @@
             </a:endParaRPr>
           </a:p>
           <a:p>
-            <a:pPr marL="392040" indent="-293400">
+            <a:pPr marL="392040" indent="-293040">
               <a:lnSpc>
                 <a:spcPct val="100000"/>
               </a:lnSpc>
@@ -6563,34 +6176,7 @@
                   </a:solidFill>
                 </a:uFill>
                 <a:latin typeface="Arial"/>
-              </a:rPr>
-              <a:t> </a:t>
-            </a:r>
-            <a:r>
-              <a:rPr b="0" lang="en-US" sz="2000" spc="-1" strike="noStrike">
-                <a:solidFill>
-                  <a:srgbClr val="000000"/>
-                </a:solidFill>
-                <a:uFill>
-                  <a:solidFill>
-                    <a:srgbClr val="ffffff"/>
-                  </a:solidFill>
-                </a:uFill>
-                <a:latin typeface="Arial"/>
-              </a:rPr>
-              <a:t>	</a:t>
-            </a:r>
-            <a:r>
-              <a:rPr b="0" lang="en-US" sz="2000" spc="-1" strike="noStrike">
-                <a:solidFill>
-                  <a:srgbClr val="000000"/>
-                </a:solidFill>
-                <a:uFill>
-                  <a:solidFill>
-                    <a:srgbClr val="ffffff"/>
-                  </a:solidFill>
-                </a:uFill>
-                <a:latin typeface="Arial"/>
+                <a:ea typeface="DejaVu Sans"/>
               </a:rPr>
               <a:t>- Classifiers used are, RandomForest, KNN, NB, SVM etc</a:t>
             </a:r>
@@ -6607,7 +6193,7 @@
             </a:endParaRPr>
           </a:p>
           <a:p>
-            <a:pPr lvl="3" marL="864000" indent="-216000">
+            <a:pPr marL="392040" indent="-293040">
               <a:lnSpc>
                 <a:spcPct val="100000"/>
               </a:lnSpc>
@@ -6629,6 +6215,7 @@
                   </a:solidFill>
                 </a:uFill>
                 <a:latin typeface="Arial"/>
+                <a:ea typeface="DejaVu Sans"/>
               </a:rPr>
               <a:t>- Did Hyperparameter tuning</a:t>
             </a:r>
@@ -6645,7 +6232,7 @@
             </a:endParaRPr>
           </a:p>
           <a:p>
-            <a:pPr lvl="3" marL="864000" indent="-216000">
+            <a:pPr lvl="3" marL="864000" indent="-215640">
               <a:lnSpc>
                 <a:spcPct val="100000"/>
               </a:lnSpc>
@@ -6667,6 +6254,7 @@
                   </a:solidFill>
                 </a:uFill>
                 <a:latin typeface="Arial"/>
+                <a:ea typeface="DejaVu Sans"/>
               </a:rPr>
               <a:t> </a:t>
             </a:r>
@@ -6683,7 +6271,7 @@
             </a:endParaRPr>
           </a:p>
           <a:p>
-            <a:pPr marL="392040" indent="-293400">
+            <a:pPr marL="392040" indent="-293040">
               <a:lnSpc>
                 <a:spcPct val="100000"/>
               </a:lnSpc>
@@ -6705,8 +6293,9 @@
                   </a:solidFill>
                 </a:uFill>
                 <a:latin typeface="Arial"/>
-              </a:rPr>
-              <a:t>Identified best 2 models</a:t>
+                <a:ea typeface="DejaVu Sans"/>
+              </a:rPr>
+              <a:t>Compared tuned classifiers against the baseline model using significance test</a:t>
             </a:r>
             <a:endParaRPr b="0" lang="en-US" sz="1800" spc="-1" strike="noStrike">
               <a:solidFill>
@@ -6721,7 +6310,7 @@
             </a:endParaRPr>
           </a:p>
           <a:p>
-            <a:pPr marL="392040" indent="-293400">
+            <a:pPr marL="392040" indent="-293040">
               <a:lnSpc>
                 <a:spcPct val="100000"/>
               </a:lnSpc>
@@ -6743,8 +6332,9 @@
                   </a:solidFill>
                 </a:uFill>
                 <a:latin typeface="Arial"/>
-              </a:rPr>
-              <a:t>Did t-test to find the optimal model</a:t>
+                <a:ea typeface="DejaVu Sans"/>
+              </a:rPr>
+              <a:t>Identified best models as this stage based on p-values. </a:t>
             </a:r>
             <a:endParaRPr b="0" lang="en-US" sz="1800" spc="-1" strike="noStrike">
               <a:solidFill>
@@ -6759,7 +6349,7 @@
             </a:endParaRPr>
           </a:p>
           <a:p>
-            <a:pPr marL="392040" indent="-293400">
+            <a:pPr marL="392040" indent="-293040">
               <a:lnSpc>
                 <a:spcPct val="100000"/>
               </a:lnSpc>
@@ -6781,6 +6371,7 @@
                   </a:solidFill>
                 </a:uFill>
                 <a:latin typeface="Arial"/>
+                <a:ea typeface="DejaVu Sans"/>
               </a:rPr>
               <a:t> </a:t>
             </a:r>
@@ -6867,14 +6458,14 @@
       </p:grpSpPr>
       <p:sp>
         <p:nvSpPr>
-          <p:cNvPr id="88" name="CustomShape 1"/>
+          <p:cNvPr id="82" name="CustomShape 1"/>
           <p:cNvSpPr/>
           <p:nvPr/>
         </p:nvSpPr>
         <p:spPr>
           <a:xfrm>
             <a:off x="1600200" y="557640"/>
-            <a:ext cx="8228880" cy="638280"/>
+            <a:ext cx="8228520" cy="637920"/>
           </a:xfrm>
           <a:prstGeom prst="rect">
             <a:avLst/>
@@ -6911,6 +6502,7 @@
                   </a:solidFill>
                 </a:uFill>
                 <a:latin typeface="Arial"/>
+                <a:ea typeface="DejaVu Sans"/>
               </a:rPr>
               <a:t>Planned</a:t>
             </a:r>
@@ -6930,14 +6522,14 @@
       </p:sp>
       <p:sp>
         <p:nvSpPr>
-          <p:cNvPr id="89" name="CustomShape 2"/>
+          <p:cNvPr id="83" name="CustomShape 2"/>
           <p:cNvSpPr/>
           <p:nvPr/>
         </p:nvSpPr>
         <p:spPr>
           <a:xfrm>
             <a:off x="1600200" y="1616760"/>
-            <a:ext cx="8228880" cy="3976920"/>
+            <a:ext cx="8228520" cy="3976560"/>
           </a:xfrm>
           <a:prstGeom prst="rect">
             <a:avLst/>
@@ -6974,7 +6566,7 @@
             </a:endParaRPr>
           </a:p>
           <a:p>
-            <a:pPr marL="392040" indent="-293400">
+            <a:pPr marL="392040" indent="-293040">
               <a:lnSpc>
                 <a:spcPct val="100000"/>
               </a:lnSpc>
@@ -6996,8 +6588,9 @@
                   </a:solidFill>
                 </a:uFill>
                 <a:latin typeface="Arial"/>
-              </a:rPr>
-              <a:t>Additional feature engineering options to increase accuracy</a:t>
+                <a:ea typeface="DejaVu Sans"/>
+              </a:rPr>
+              <a:t>Additional feature engineering options to increase model accuracy</a:t>
             </a:r>
             <a:endParaRPr b="0" lang="en-US" sz="1800" spc="-1" strike="noStrike">
               <a:solidFill>
@@ -7012,7 +6605,7 @@
             </a:endParaRPr>
           </a:p>
           <a:p>
-            <a:pPr marL="392040" indent="-293400">
+            <a:pPr marL="392040" indent="-293040">
               <a:lnSpc>
                 <a:spcPct val="100000"/>
               </a:lnSpc>
@@ -7034,8 +6627,9 @@
                   </a:solidFill>
                 </a:uFill>
                 <a:latin typeface="Arial"/>
-              </a:rPr>
-              <a:t>Identify and perform more effective feature selection options</a:t>
+                <a:ea typeface="DejaVu Sans"/>
+              </a:rPr>
+              <a:t>Identify and perform more effective feature importance and feature selection options</a:t>
             </a:r>
             <a:endParaRPr b="0" lang="en-US" sz="1800" spc="-1" strike="noStrike">
               <a:solidFill>
@@ -7050,7 +6644,7 @@
             </a:endParaRPr>
           </a:p>
           <a:p>
-            <a:pPr marL="392040" indent="-293400">
+            <a:pPr marL="392040" indent="-293040">
               <a:lnSpc>
                 <a:spcPct val="100000"/>
               </a:lnSpc>
@@ -7072,8 +6666,9 @@
                   </a:solidFill>
                 </a:uFill>
                 <a:latin typeface="Arial"/>
-              </a:rPr>
-              <a:t>Build and test other machine learning classification algorithms like Gradient Boosting Machine and Ridge Regularization</a:t>
+                <a:ea typeface="DejaVu Sans"/>
+              </a:rPr>
+              <a:t>Build and test other machine learning classification algorithms like Gradient Boosting Machine and multiclassclassifier </a:t>
             </a:r>
             <a:endParaRPr b="0" lang="en-US" sz="1800" spc="-1" strike="noStrike">
               <a:solidFill>
@@ -7088,7 +6683,7 @@
             </a:endParaRPr>
           </a:p>
           <a:p>
-            <a:pPr marL="392040" indent="-293400">
+            <a:pPr marL="392040" indent="-293040">
               <a:lnSpc>
                 <a:spcPct val="100000"/>
               </a:lnSpc>
@@ -7110,6 +6705,7 @@
                   </a:solidFill>
                 </a:uFill>
                 <a:latin typeface="Arial"/>
+                <a:ea typeface="DejaVu Sans"/>
               </a:rPr>
               <a:t>Fine tuning of hyperparameters</a:t>
             </a:r>
@@ -7126,7 +6722,7 @@
             </a:endParaRPr>
           </a:p>
           <a:p>
-            <a:pPr marL="392040" indent="-293400">
+            <a:pPr marL="392040" indent="-293040">
               <a:lnSpc>
                 <a:spcPct val="100000"/>
               </a:lnSpc>
@@ -7148,6 +6744,7 @@
                   </a:solidFill>
                 </a:uFill>
                 <a:latin typeface="Arial"/>
+                <a:ea typeface="DejaVu Sans"/>
               </a:rPr>
               <a:t>Identify flaws in the currently built models and make corrections</a:t>
             </a:r>
@@ -7164,7 +6761,7 @@
             </a:endParaRPr>
           </a:p>
           <a:p>
-            <a:pPr marL="392040" indent="-293400">
+            <a:pPr marL="392040" indent="-293040">
               <a:lnSpc>
                 <a:spcPct val="100000"/>
               </a:lnSpc>
@@ -7186,6 +6783,7 @@
                   </a:solidFill>
                 </a:uFill>
                 <a:latin typeface="Arial"/>
+                <a:ea typeface="DejaVu Sans"/>
               </a:rPr>
               <a:t>Identify the optimal model to test the held out test data</a:t>
             </a:r>
@@ -7202,7 +6800,7 @@
             </a:endParaRPr>
           </a:p>
           <a:p>
-            <a:pPr marL="392040" indent="-293400">
+            <a:pPr marL="392040" indent="-293040">
               <a:lnSpc>
                 <a:spcPct val="100000"/>
               </a:lnSpc>
@@ -7224,44 +6822,7 @@
                   </a:solidFill>
                 </a:uFill>
                 <a:latin typeface="Arial"/>
-              </a:rPr>
-              <a:t> </a:t>
-            </a:r>
-            <a:endParaRPr b="0" lang="en-US" sz="1800" spc="-1" strike="noStrike">
-              <a:solidFill>
-                <a:srgbClr val="000000"/>
-              </a:solidFill>
-              <a:uFill>
-                <a:solidFill>
-                  <a:srgbClr val="ffffff"/>
-                </a:solidFill>
-              </a:uFill>
-              <a:latin typeface="Arial"/>
-            </a:endParaRPr>
-          </a:p>
-          <a:p>
-            <a:pPr lvl="1" marL="849240" indent="-293400">
-              <a:lnSpc>
-                <a:spcPct val="100000"/>
-              </a:lnSpc>
-              <a:buClr>
-                <a:srgbClr val="000000"/>
-              </a:buClr>
-              <a:buSzPct val="45000"/>
-              <a:buFont typeface="Wingdings" charset="2"/>
-              <a:buChar char=""/>
-            </a:pPr>
-            <a:r>
-              <a:rPr b="0" lang="en-US" sz="2000" spc="-1" strike="noStrike">
-                <a:solidFill>
-                  <a:srgbClr val="000000"/>
-                </a:solidFill>
-                <a:uFill>
-                  <a:solidFill>
-                    <a:srgbClr val="ffffff"/>
-                  </a:solidFill>
-                </a:uFill>
-                <a:latin typeface="Arial"/>
+                <a:ea typeface="DejaVu Sans"/>
               </a:rPr>
               <a:t> </a:t>
             </a:r>
@@ -7348,14 +6909,14 @@
       </p:grpSpPr>
       <p:sp>
         <p:nvSpPr>
-          <p:cNvPr id="90" name="CustomShape 1"/>
+          <p:cNvPr id="84" name="CustomShape 1"/>
           <p:cNvSpPr/>
           <p:nvPr/>
         </p:nvSpPr>
         <p:spPr>
           <a:xfrm>
             <a:off x="1600200" y="557640"/>
-            <a:ext cx="8228880" cy="638280"/>
+            <a:ext cx="8228520" cy="637920"/>
           </a:xfrm>
           <a:prstGeom prst="rect">
             <a:avLst/>
@@ -7392,6 +6953,7 @@
                   </a:solidFill>
                 </a:uFill>
                 <a:latin typeface="Arial"/>
+                <a:ea typeface="DejaVu Sans"/>
               </a:rPr>
               <a:t>Problems</a:t>
             </a:r>
@@ -7411,14 +6973,14 @@
       </p:sp>
       <p:sp>
         <p:nvSpPr>
-          <p:cNvPr id="91" name="CustomShape 2"/>
+          <p:cNvPr id="85" name="CustomShape 2"/>
           <p:cNvSpPr/>
           <p:nvPr/>
         </p:nvSpPr>
         <p:spPr>
           <a:xfrm>
             <a:off x="1600200" y="1616760"/>
-            <a:ext cx="8228880" cy="3976920"/>
+            <a:ext cx="8228520" cy="3976560"/>
           </a:xfrm>
           <a:prstGeom prst="rect">
             <a:avLst/>
@@ -7471,8 +7033,60 @@
                   </a:solidFill>
                 </a:uFill>
                 <a:latin typeface="Arial"/>
-              </a:rPr>
-              <a:t>- Need to find better options to identify the number of features to be selected for modeling without over-fitting issues. Used SelectKBest as the feature selection option in Phase1. </a:t>
+                <a:ea typeface="DejaVu Sans"/>
+              </a:rPr>
+              <a:t>- The dataset come with 142 features and there is a lot of feature engineering possibilities available. Need to dig in more and create more relevant features out of the existing ones so that a well prepared dataset goes into the machine learning models.</a:t>
+            </a:r>
+            <a:endParaRPr b="0" lang="en-US" sz="1800" spc="-1" strike="noStrike">
+              <a:solidFill>
+                <a:srgbClr val="000000"/>
+              </a:solidFill>
+              <a:uFill>
+                <a:solidFill>
+                  <a:srgbClr val="ffffff"/>
+                </a:solidFill>
+              </a:uFill>
+              <a:latin typeface="Arial"/>
+            </a:endParaRPr>
+          </a:p>
+          <a:p>
+            <a:pPr marL="98280">
+              <a:lnSpc>
+                <a:spcPct val="100000"/>
+              </a:lnSpc>
+            </a:pPr>
+            <a:endParaRPr b="0" lang="en-US" sz="1800" spc="-1" strike="noStrike">
+              <a:solidFill>
+                <a:srgbClr val="000000"/>
+              </a:solidFill>
+              <a:uFill>
+                <a:solidFill>
+                  <a:srgbClr val="ffffff"/>
+                </a:solidFill>
+              </a:uFill>
+              <a:latin typeface="Arial"/>
+            </a:endParaRPr>
+          </a:p>
+          <a:p>
+            <a:pPr marL="98280">
+              <a:lnSpc>
+                <a:spcPct val="100000"/>
+              </a:lnSpc>
+            </a:pPr>
+            <a:r>
+              <a:rPr b="0" lang="en-US" sz="2000" spc="-1" strike="noStrike">
+                <a:solidFill>
+                  <a:srgbClr val="000000"/>
+                </a:solidFill>
+                <a:uFill>
+                  <a:solidFill>
+                    <a:srgbClr val="ffffff"/>
+                  </a:solidFill>
+                </a:uFill>
+                <a:latin typeface="Arial"/>
+                <a:ea typeface="DejaVu Sans"/>
+              </a:rPr>
+              <a:t>- Need to find better options to identify the number of features to be selected according to the feature importance for modeling without causing over-fitting issues. Used SelectKBest as the feature selection option in Phase1. </a:t>
             </a:r>
             <a:endParaRPr b="0" lang="en-US" sz="1800" spc="-1" strike="noStrike">
               <a:solidFill>
@@ -7539,14 +7153,14 @@
       </p:grpSpPr>
       <p:sp>
         <p:nvSpPr>
-          <p:cNvPr id="92" name="CustomShape 1"/>
+          <p:cNvPr id="86" name="CustomShape 1"/>
           <p:cNvSpPr/>
           <p:nvPr/>
         </p:nvSpPr>
         <p:spPr>
           <a:xfrm>
             <a:off x="4178160" y="2737440"/>
-            <a:ext cx="3649320" cy="745920"/>
+            <a:ext cx="3648960" cy="745560"/>
           </a:xfrm>
           <a:prstGeom prst="rect">
             <a:avLst/>
@@ -7567,7 +7181,7 @@
         <p:txBody>
           <a:bodyPr lIns="0" rIns="0" tIns="0" bIns="0" anchor="ctr"/>
           <a:p>
-            <a:pPr marL="392040" indent="-293400" algn="ctr">
+            <a:pPr marL="392040" indent="-293040" algn="ctr">
               <a:lnSpc>
                 <a:spcPct val="100000"/>
               </a:lnSpc>
@@ -7589,6 +7203,7 @@
                   </a:solidFill>
                 </a:uFill>
                 <a:latin typeface="Arial"/>
+                <a:ea typeface="DejaVu Sans"/>
               </a:rPr>
               <a:t>Thank you</a:t>
             </a:r>
